--- a/assets/Calling third-party API using Refit.pptx
+++ b/assets/Calling third-party API using Refit.pptx
@@ -8,9 +8,11 @@
     <p:sldId id="256" r:id="rId2"/>
     <p:sldId id="257" r:id="rId3"/>
     <p:sldId id="258" r:id="rId4"/>
-    <p:sldId id="259" r:id="rId5"/>
-    <p:sldId id="260" r:id="rId6"/>
-    <p:sldId id="261" r:id="rId7"/>
+    <p:sldId id="262" r:id="rId5"/>
+    <p:sldId id="263" r:id="rId6"/>
+    <p:sldId id="259" r:id="rId7"/>
+    <p:sldId id="260" r:id="rId8"/>
+    <p:sldId id="261" r:id="rId9"/>
   </p:sldIdLst>
   <p:sldSz cx="12192000" cy="6858000"/>
   <p:notesSz cx="6858000" cy="9144000"/>
@@ -109,6 +111,11 @@
       </a:defRPr>
     </a:lvl9pPr>
   </p:defaultTextStyle>
+  <p:extLst>
+    <p:ext uri="{EFAFB233-063F-42B5-8137-9DF3F51BA10A}">
+      <p15:sldGuideLst xmlns:p15="http://schemas.microsoft.com/office/powerpoint/2012/main"/>
+    </p:ext>
+  </p:extLst>
 </p:presentation>
 </file>
 
@@ -1380,6 +1387,36 @@
           </a:prstGeom>
         </p:spPr>
       </p:pic>
+      <p:pic>
+        <p:nvPicPr>
+          <p:cNvPr id="10" name="Image 9">
+            <a:extLst>
+              <a:ext uri="{FF2B5EF4-FFF2-40B4-BE49-F238E27FC236}">
+                <a16:creationId xmlns:a16="http://schemas.microsoft.com/office/drawing/2014/main" id="{FE4F1912-3A77-4CD6-964D-6D7775AC3229}"/>
+              </a:ext>
+            </a:extLst>
+          </p:cNvPr>
+          <p:cNvPicPr>
+            <a:picLocks noChangeAspect="1"/>
+          </p:cNvPicPr>
+          <p:nvPr/>
+        </p:nvPicPr>
+        <p:blipFill>
+          <a:blip r:embed="rId9"/>
+          <a:stretch>
+            <a:fillRect/>
+          </a:stretch>
+        </p:blipFill>
+        <p:spPr>
+          <a:xfrm>
+            <a:off x="5389200" y="1058708"/>
+            <a:ext cx="6344535" cy="1552792"/>
+          </a:xfrm>
+          <a:prstGeom prst="rect">
+            <a:avLst/>
+          </a:prstGeom>
+        </p:spPr>
+      </p:pic>
     </p:spTree>
     <p:extLst>
       <p:ext uri="{BB962C8B-B14F-4D97-AF65-F5344CB8AC3E}">
@@ -1652,6 +1689,59 @@
                       </p:childTnLst>
                     </p:cTn>
                   </p:par>
+                  <p:par>
+                    <p:cTn id="26" fill="hold">
+                      <p:stCondLst>
+                        <p:cond delay="indefinite"/>
+                      </p:stCondLst>
+                      <p:childTnLst>
+                        <p:par>
+                          <p:cTn id="27" fill="hold">
+                            <p:stCondLst>
+                              <p:cond delay="0"/>
+                            </p:stCondLst>
+                            <p:childTnLst>
+                              <p:par>
+                                <p:cTn id="28" presetID="10" presetClass="entr" presetSubtype="0" fill="hold" nodeType="clickEffect">
+                                  <p:stCondLst>
+                                    <p:cond delay="0"/>
+                                  </p:stCondLst>
+                                  <p:childTnLst>
+                                    <p:set>
+                                      <p:cBhvr>
+                                        <p:cTn id="29" dur="1" fill="hold">
+                                          <p:stCondLst>
+                                            <p:cond delay="0"/>
+                                          </p:stCondLst>
+                                        </p:cTn>
+                                        <p:tgtEl>
+                                          <p:spTgt spid="10"/>
+                                        </p:tgtEl>
+                                        <p:attrNameLst>
+                                          <p:attrName>style.visibility</p:attrName>
+                                        </p:attrNameLst>
+                                      </p:cBhvr>
+                                      <p:to>
+                                        <p:strVal val="visible"/>
+                                      </p:to>
+                                    </p:set>
+                                    <p:animEffect transition="in" filter="fade">
+                                      <p:cBhvr>
+                                        <p:cTn id="30" dur="500"/>
+                                        <p:tgtEl>
+                                          <p:spTgt spid="10"/>
+                                        </p:tgtEl>
+                                      </p:cBhvr>
+                                    </p:animEffect>
+                                  </p:childTnLst>
+                                </p:cTn>
+                              </p:par>
+                            </p:childTnLst>
+                          </p:cTn>
+                        </p:par>
+                      </p:childTnLst>
+                    </p:cTn>
+                  </p:par>
                 </p:childTnLst>
               </p:cTn>
               <p:prevCondLst>
@@ -1678,6 +1768,498 @@
 </file>
 
 <file path=ppt/slides/slide4.xml><?xml version="1.0" encoding="utf-8"?>
+<p:sld xmlns:a="http://schemas.openxmlformats.org/drawingml/2006/main" xmlns:r="http://schemas.openxmlformats.org/officeDocument/2006/relationships" xmlns:p="http://schemas.openxmlformats.org/presentationml/2006/main">
+  <p:cSld>
+    <p:spTree>
+      <p:nvGrpSpPr>
+        <p:cNvPr id="1" name=""/>
+        <p:cNvGrpSpPr/>
+        <p:nvPr/>
+      </p:nvGrpSpPr>
+      <p:grpSpPr>
+        <a:xfrm>
+          <a:off x="0" y="0"/>
+          <a:ext cx="0" cy="0"/>
+          <a:chOff x="0" y="0"/>
+          <a:chExt cx="0" cy="0"/>
+        </a:xfrm>
+      </p:grpSpPr>
+      <p:sp>
+        <p:nvSpPr>
+          <p:cNvPr id="2" name="ZoneTexte 1">
+            <a:extLst>
+              <a:ext uri="{FF2B5EF4-FFF2-40B4-BE49-F238E27FC236}">
+                <a16:creationId xmlns:a16="http://schemas.microsoft.com/office/drawing/2014/main" id="{39089484-68A9-4D12-BA22-7FCD53D10C42}"/>
+              </a:ext>
+            </a:extLst>
+          </p:cNvPr>
+          <p:cNvSpPr txBox="1"/>
+          <p:nvPr/>
+        </p:nvSpPr>
+        <p:spPr>
+          <a:xfrm>
+            <a:off x="266700" y="285750"/>
+            <a:ext cx="9782735" cy="400110"/>
+          </a:xfrm>
+          <a:prstGeom prst="rect">
+            <a:avLst/>
+          </a:prstGeom>
+          <a:noFill/>
+        </p:spPr>
+        <p:txBody>
+          <a:bodyPr wrap="square" rtlCol="0">
+            <a:spAutoFit/>
+          </a:bodyPr>
+          <a:lstStyle/>
+          <a:p>
+            <a:r>
+              <a:rPr lang="fr-FR" sz="2000" b="1" dirty="0" err="1">
+                <a:latin typeface="Courier New" panose="02070309020205020404" pitchFamily="49" charset="0"/>
+                <a:cs typeface="Courier New" panose="02070309020205020404" pitchFamily="49" charset="0"/>
+              </a:rPr>
+              <a:t>AddHttpClient</a:t>
+            </a:r>
+            <a:r>
+              <a:rPr lang="fr-FR" sz="2000" b="1" dirty="0">
+                <a:latin typeface="Courier New" panose="02070309020205020404" pitchFamily="49" charset="0"/>
+                <a:cs typeface="Courier New" panose="02070309020205020404" pitchFamily="49" charset="0"/>
+              </a:rPr>
+              <a:t>(string </a:t>
+            </a:r>
+            <a:r>
+              <a:rPr lang="fr-FR" sz="2000" b="1" dirty="0" err="1">
+                <a:latin typeface="Courier New" panose="02070309020205020404" pitchFamily="49" charset="0"/>
+                <a:cs typeface="Courier New" panose="02070309020205020404" pitchFamily="49" charset="0"/>
+              </a:rPr>
+              <a:t>name</a:t>
+            </a:r>
+            <a:r>
+              <a:rPr lang="fr-FR" sz="2000" b="1" dirty="0">
+                <a:latin typeface="Courier New" panose="02070309020205020404" pitchFamily="49" charset="0"/>
+                <a:cs typeface="Courier New" panose="02070309020205020404" pitchFamily="49" charset="0"/>
+              </a:rPr>
+              <a:t>, </a:t>
+            </a:r>
+            <a:r>
+              <a:rPr lang="fr-FR" sz="2000" b="1" dirty="0" err="1">
+                <a:latin typeface="Courier New" panose="02070309020205020404" pitchFamily="49" charset="0"/>
+                <a:cs typeface="Courier New" panose="02070309020205020404" pitchFamily="49" charset="0"/>
+              </a:rPr>
+              <a:t>IServiceCollections</a:t>
+            </a:r>
+            <a:r>
+              <a:rPr lang="fr-FR" sz="2000" b="1" dirty="0">
+                <a:latin typeface="Courier New" panose="02070309020205020404" pitchFamily="49" charset="0"/>
+                <a:cs typeface="Courier New" panose="02070309020205020404" pitchFamily="49" charset="0"/>
+              </a:rPr>
+              <a:t> services);</a:t>
+            </a:r>
+          </a:p>
+        </p:txBody>
+      </p:sp>
+      <p:pic>
+        <p:nvPicPr>
+          <p:cNvPr id="6" name="Image 5">
+            <a:extLst>
+              <a:ext uri="{FF2B5EF4-FFF2-40B4-BE49-F238E27FC236}">
+                <a16:creationId xmlns:a16="http://schemas.microsoft.com/office/drawing/2014/main" id="{ED5E4A67-182D-4C3C-8B99-5FE4D3AB5BE9}"/>
+              </a:ext>
+            </a:extLst>
+          </p:cNvPr>
+          <p:cNvPicPr>
+            <a:picLocks noChangeAspect="1"/>
+          </p:cNvPicPr>
+          <p:nvPr/>
+        </p:nvPicPr>
+        <p:blipFill>
+          <a:blip r:embed="rId2"/>
+          <a:stretch>
+            <a:fillRect/>
+          </a:stretch>
+        </p:blipFill>
+        <p:spPr>
+          <a:xfrm>
+            <a:off x="266700" y="870525"/>
+            <a:ext cx="8592749" cy="2896004"/>
+          </a:xfrm>
+          <a:prstGeom prst="rect">
+            <a:avLst/>
+          </a:prstGeom>
+        </p:spPr>
+      </p:pic>
+      <p:pic>
+        <p:nvPicPr>
+          <p:cNvPr id="4" name="Image 3">
+            <a:extLst>
+              <a:ext uri="{FF2B5EF4-FFF2-40B4-BE49-F238E27FC236}">
+                <a16:creationId xmlns:a16="http://schemas.microsoft.com/office/drawing/2014/main" id="{D10656F8-9145-4139-BD92-A6A1710C8A24}"/>
+              </a:ext>
+            </a:extLst>
+          </p:cNvPr>
+          <p:cNvPicPr>
+            <a:picLocks noChangeAspect="1"/>
+          </p:cNvPicPr>
+          <p:nvPr/>
+        </p:nvPicPr>
+        <p:blipFill>
+          <a:blip r:embed="rId3"/>
+          <a:stretch>
+            <a:fillRect/>
+          </a:stretch>
+        </p:blipFill>
+        <p:spPr>
+          <a:xfrm>
+            <a:off x="5588373" y="4137159"/>
+            <a:ext cx="5277587" cy="2286319"/>
+          </a:xfrm>
+          <a:prstGeom prst="rect">
+            <a:avLst/>
+          </a:prstGeom>
+        </p:spPr>
+      </p:pic>
+    </p:spTree>
+    <p:extLst>
+      <p:ext uri="{BB962C8B-B14F-4D97-AF65-F5344CB8AC3E}">
+        <p14:creationId xmlns:p14="http://schemas.microsoft.com/office/powerpoint/2010/main" val="3774218025"/>
+      </p:ext>
+    </p:extLst>
+  </p:cSld>
+  <p:clrMapOvr>
+    <a:masterClrMapping/>
+  </p:clrMapOvr>
+  <p:timing>
+    <p:tnLst>
+      <p:par>
+        <p:cTn id="1" dur="indefinite" restart="never" nodeType="tmRoot">
+          <p:childTnLst>
+            <p:seq concurrent="1" nextAc="seek">
+              <p:cTn id="2" dur="indefinite" nodeType="mainSeq">
+                <p:childTnLst>
+                  <p:par>
+                    <p:cTn id="3" fill="hold">
+                      <p:stCondLst>
+                        <p:cond delay="indefinite"/>
+                      </p:stCondLst>
+                      <p:childTnLst>
+                        <p:par>
+                          <p:cTn id="4" fill="hold">
+                            <p:stCondLst>
+                              <p:cond delay="0"/>
+                            </p:stCondLst>
+                            <p:childTnLst>
+                              <p:par>
+                                <p:cTn id="5" presetID="10" presetClass="entr" presetSubtype="0" fill="hold" nodeType="clickEffect">
+                                  <p:stCondLst>
+                                    <p:cond delay="0"/>
+                                  </p:stCondLst>
+                                  <p:childTnLst>
+                                    <p:set>
+                                      <p:cBhvr>
+                                        <p:cTn id="6" dur="1" fill="hold">
+                                          <p:stCondLst>
+                                            <p:cond delay="0"/>
+                                          </p:stCondLst>
+                                        </p:cTn>
+                                        <p:tgtEl>
+                                          <p:spTgt spid="4"/>
+                                        </p:tgtEl>
+                                        <p:attrNameLst>
+                                          <p:attrName>style.visibility</p:attrName>
+                                        </p:attrNameLst>
+                                      </p:cBhvr>
+                                      <p:to>
+                                        <p:strVal val="visible"/>
+                                      </p:to>
+                                    </p:set>
+                                    <p:animEffect transition="in" filter="fade">
+                                      <p:cBhvr>
+                                        <p:cTn id="7" dur="500"/>
+                                        <p:tgtEl>
+                                          <p:spTgt spid="4"/>
+                                        </p:tgtEl>
+                                      </p:cBhvr>
+                                    </p:animEffect>
+                                  </p:childTnLst>
+                                </p:cTn>
+                              </p:par>
+                            </p:childTnLst>
+                          </p:cTn>
+                        </p:par>
+                      </p:childTnLst>
+                    </p:cTn>
+                  </p:par>
+                </p:childTnLst>
+              </p:cTn>
+              <p:prevCondLst>
+                <p:cond evt="onPrev" delay="0">
+                  <p:tgtEl>
+                    <p:sldTgt/>
+                  </p:tgtEl>
+                </p:cond>
+              </p:prevCondLst>
+              <p:nextCondLst>
+                <p:cond evt="onNext" delay="0">
+                  <p:tgtEl>
+                    <p:sldTgt/>
+                  </p:tgtEl>
+                </p:cond>
+              </p:nextCondLst>
+            </p:seq>
+          </p:childTnLst>
+        </p:cTn>
+      </p:par>
+    </p:tnLst>
+  </p:timing>
+</p:sld>
+</file>
+
+<file path=ppt/slides/slide5.xml><?xml version="1.0" encoding="utf-8"?>
+<p:sld xmlns:a="http://schemas.openxmlformats.org/drawingml/2006/main" xmlns:r="http://schemas.openxmlformats.org/officeDocument/2006/relationships" xmlns:p="http://schemas.openxmlformats.org/presentationml/2006/main">
+  <p:cSld>
+    <p:spTree>
+      <p:nvGrpSpPr>
+        <p:cNvPr id="1" name=""/>
+        <p:cNvGrpSpPr/>
+        <p:nvPr/>
+      </p:nvGrpSpPr>
+      <p:grpSpPr>
+        <a:xfrm>
+          <a:off x="0" y="0"/>
+          <a:ext cx="0" cy="0"/>
+          <a:chOff x="0" y="0"/>
+          <a:chExt cx="0" cy="0"/>
+        </a:xfrm>
+      </p:grpSpPr>
+      <p:sp>
+        <p:nvSpPr>
+          <p:cNvPr id="2" name="ZoneTexte 1">
+            <a:extLst>
+              <a:ext uri="{FF2B5EF4-FFF2-40B4-BE49-F238E27FC236}">
+                <a16:creationId xmlns:a16="http://schemas.microsoft.com/office/drawing/2014/main" id="{39089484-68A9-4D12-BA22-7FCD53D10C42}"/>
+              </a:ext>
+            </a:extLst>
+          </p:cNvPr>
+          <p:cNvSpPr txBox="1"/>
+          <p:nvPr/>
+        </p:nvSpPr>
+        <p:spPr>
+          <a:xfrm>
+            <a:off x="266700" y="285750"/>
+            <a:ext cx="9782735" cy="400110"/>
+          </a:xfrm>
+          <a:prstGeom prst="rect">
+            <a:avLst/>
+          </a:prstGeom>
+          <a:noFill/>
+        </p:spPr>
+        <p:txBody>
+          <a:bodyPr wrap="square" rtlCol="0">
+            <a:spAutoFit/>
+          </a:bodyPr>
+          <a:lstStyle/>
+          <a:p>
+            <a:r>
+              <a:rPr lang="fr-FR" sz="2000" b="1" dirty="0" err="1">
+                <a:latin typeface="Courier New" panose="02070309020205020404" pitchFamily="49" charset="0"/>
+                <a:cs typeface="Courier New" panose="02070309020205020404" pitchFamily="49" charset="0"/>
+              </a:rPr>
+              <a:t>AddTypedClient</a:t>
+            </a:r>
+            <a:r>
+              <a:rPr lang="fr-FR" sz="2000" b="1" dirty="0">
+                <a:latin typeface="Courier New" panose="02070309020205020404" pitchFamily="49" charset="0"/>
+                <a:cs typeface="Courier New" panose="02070309020205020404" pitchFamily="49" charset="0"/>
+              </a:rPr>
+              <a:t>(c =&gt; </a:t>
+            </a:r>
+            <a:r>
+              <a:rPr lang="fr-FR" sz="2000" b="1" dirty="0" err="1">
+                <a:latin typeface="Courier New" panose="02070309020205020404" pitchFamily="49" charset="0"/>
+                <a:cs typeface="Courier New" panose="02070309020205020404" pitchFamily="49" charset="0"/>
+              </a:rPr>
+              <a:t>RestService.For</a:t>
+            </a:r>
+            <a:r>
+              <a:rPr lang="fr-FR" sz="2000" b="1" dirty="0">
+                <a:latin typeface="Courier New" panose="02070309020205020404" pitchFamily="49" charset="0"/>
+                <a:cs typeface="Courier New" panose="02070309020205020404" pitchFamily="49" charset="0"/>
+              </a:rPr>
+              <a:t>&lt;</a:t>
+            </a:r>
+            <a:r>
+              <a:rPr lang="fr-FR" sz="2000" b="1" dirty="0" err="1">
+                <a:latin typeface="Courier New" panose="02070309020205020404" pitchFamily="49" charset="0"/>
+                <a:cs typeface="Courier New" panose="02070309020205020404" pitchFamily="49" charset="0"/>
+              </a:rPr>
+              <a:t>IHttpBinOrgApi</a:t>
+            </a:r>
+            <a:r>
+              <a:rPr lang="fr-FR" sz="2000" b="1" dirty="0">
+                <a:latin typeface="Courier New" panose="02070309020205020404" pitchFamily="49" charset="0"/>
+                <a:cs typeface="Courier New" panose="02070309020205020404" pitchFamily="49" charset="0"/>
+              </a:rPr>
+              <a:t>&gt;(c));</a:t>
+            </a:r>
+          </a:p>
+        </p:txBody>
+      </p:sp>
+      <p:pic>
+        <p:nvPicPr>
+          <p:cNvPr id="10" name="Image 9">
+            <a:extLst>
+              <a:ext uri="{FF2B5EF4-FFF2-40B4-BE49-F238E27FC236}">
+                <a16:creationId xmlns:a16="http://schemas.microsoft.com/office/drawing/2014/main" id="{2164EECB-B366-4149-A7D5-FC6D8A4FF0EC}"/>
+              </a:ext>
+            </a:extLst>
+          </p:cNvPr>
+          <p:cNvPicPr>
+            <a:picLocks noChangeAspect="1"/>
+          </p:cNvPicPr>
+          <p:nvPr/>
+        </p:nvPicPr>
+        <p:blipFill>
+          <a:blip r:embed="rId2"/>
+          <a:stretch>
+            <a:fillRect/>
+          </a:stretch>
+        </p:blipFill>
+        <p:spPr>
+          <a:xfrm>
+            <a:off x="266700" y="870525"/>
+            <a:ext cx="7621064" cy="2915057"/>
+          </a:xfrm>
+          <a:prstGeom prst="rect">
+            <a:avLst/>
+          </a:prstGeom>
+        </p:spPr>
+      </p:pic>
+      <p:pic>
+        <p:nvPicPr>
+          <p:cNvPr id="8" name="Image 7">
+            <a:extLst>
+              <a:ext uri="{FF2B5EF4-FFF2-40B4-BE49-F238E27FC236}">
+                <a16:creationId xmlns:a16="http://schemas.microsoft.com/office/drawing/2014/main" id="{817DA02F-A1C9-447F-B1F6-64DA596B7373}"/>
+              </a:ext>
+            </a:extLst>
+          </p:cNvPr>
+          <p:cNvPicPr>
+            <a:picLocks noChangeAspect="1"/>
+          </p:cNvPicPr>
+          <p:nvPr/>
+        </p:nvPicPr>
+        <p:blipFill>
+          <a:blip r:embed="rId3"/>
+          <a:stretch>
+            <a:fillRect/>
+          </a:stretch>
+        </p:blipFill>
+        <p:spPr>
+          <a:xfrm>
+            <a:off x="6523871" y="3429000"/>
+            <a:ext cx="5401429" cy="3143689"/>
+          </a:xfrm>
+          <a:prstGeom prst="rect">
+            <a:avLst/>
+          </a:prstGeom>
+        </p:spPr>
+      </p:pic>
+    </p:spTree>
+    <p:extLst>
+      <p:ext uri="{BB962C8B-B14F-4D97-AF65-F5344CB8AC3E}">
+        <p14:creationId xmlns:p14="http://schemas.microsoft.com/office/powerpoint/2010/main" val="3111788915"/>
+      </p:ext>
+    </p:extLst>
+  </p:cSld>
+  <p:clrMapOvr>
+    <a:masterClrMapping/>
+  </p:clrMapOvr>
+  <p:timing>
+    <p:tnLst>
+      <p:par>
+        <p:cTn id="1" dur="indefinite" restart="never" nodeType="tmRoot">
+          <p:childTnLst>
+            <p:seq concurrent="1" nextAc="seek">
+              <p:cTn id="2" dur="indefinite" nodeType="mainSeq">
+                <p:childTnLst>
+                  <p:par>
+                    <p:cTn id="3" fill="hold">
+                      <p:stCondLst>
+                        <p:cond delay="indefinite"/>
+                      </p:stCondLst>
+                      <p:childTnLst>
+                        <p:par>
+                          <p:cTn id="4" fill="hold">
+                            <p:stCondLst>
+                              <p:cond delay="0"/>
+                            </p:stCondLst>
+                            <p:childTnLst>
+                              <p:par>
+                                <p:cTn id="5" presetID="10" presetClass="entr" presetSubtype="0" fill="hold" nodeType="clickEffect">
+                                  <p:stCondLst>
+                                    <p:cond delay="0"/>
+                                  </p:stCondLst>
+                                  <p:childTnLst>
+                                    <p:set>
+                                      <p:cBhvr>
+                                        <p:cTn id="6" dur="1" fill="hold">
+                                          <p:stCondLst>
+                                            <p:cond delay="0"/>
+                                          </p:stCondLst>
+                                        </p:cTn>
+                                        <p:tgtEl>
+                                          <p:spTgt spid="8"/>
+                                        </p:tgtEl>
+                                        <p:attrNameLst>
+                                          <p:attrName>style.visibility</p:attrName>
+                                        </p:attrNameLst>
+                                      </p:cBhvr>
+                                      <p:to>
+                                        <p:strVal val="visible"/>
+                                      </p:to>
+                                    </p:set>
+                                    <p:animEffect transition="in" filter="fade">
+                                      <p:cBhvr>
+                                        <p:cTn id="7" dur="500"/>
+                                        <p:tgtEl>
+                                          <p:spTgt spid="8"/>
+                                        </p:tgtEl>
+                                      </p:cBhvr>
+                                    </p:animEffect>
+                                  </p:childTnLst>
+                                </p:cTn>
+                              </p:par>
+                            </p:childTnLst>
+                          </p:cTn>
+                        </p:par>
+                      </p:childTnLst>
+                    </p:cTn>
+                  </p:par>
+                </p:childTnLst>
+              </p:cTn>
+              <p:prevCondLst>
+                <p:cond evt="onPrev" delay="0">
+                  <p:tgtEl>
+                    <p:sldTgt/>
+                  </p:tgtEl>
+                </p:cond>
+              </p:prevCondLst>
+              <p:nextCondLst>
+                <p:cond evt="onNext" delay="0">
+                  <p:tgtEl>
+                    <p:sldTgt/>
+                  </p:tgtEl>
+                </p:cond>
+              </p:nextCondLst>
+            </p:seq>
+          </p:childTnLst>
+        </p:cTn>
+      </p:par>
+    </p:tnLst>
+  </p:timing>
+</p:sld>
+</file>
+
+<file path=ppt/slides/slide6.xml><?xml version="1.0" encoding="utf-8"?>
 <p:sld xmlns:a="http://schemas.openxmlformats.org/drawingml/2006/main" xmlns:r="http://schemas.openxmlformats.org/officeDocument/2006/relationships" xmlns:p="http://schemas.openxmlformats.org/presentationml/2006/main">
   <p:cSld>
     <p:spTree>
@@ -2322,7 +2904,7 @@
 </p:sld>
 </file>
 
-<file path=ppt/slides/slide5.xml><?xml version="1.0" encoding="utf-8"?>
+<file path=ppt/slides/slide7.xml><?xml version="1.0" encoding="utf-8"?>
 <p:sld xmlns:a="http://schemas.openxmlformats.org/drawingml/2006/main" xmlns:r="http://schemas.openxmlformats.org/officeDocument/2006/relationships" xmlns:p="http://schemas.openxmlformats.org/presentationml/2006/main">
   <p:cSld>
     <p:spTree>
@@ -3212,7 +3794,7 @@
 </p:sld>
 </file>
 
-<file path=ppt/slides/slide6.xml><?xml version="1.0" encoding="utf-8"?>
+<file path=ppt/slides/slide8.xml><?xml version="1.0" encoding="utf-8"?>
 <p:sld xmlns:a="http://schemas.openxmlformats.org/drawingml/2006/main" xmlns:r="http://schemas.openxmlformats.org/officeDocument/2006/relationships" xmlns:p="http://schemas.openxmlformats.org/presentationml/2006/main">
   <p:cSld>
     <p:spTree>

--- a/assets/Calling third-party API using Refit.pptx
+++ b/assets/Calling third-party API using Refit.pptx
@@ -1889,10 +1889,10 @@
       </p:pic>
       <p:pic>
         <p:nvPicPr>
-          <p:cNvPr id="4" name="Image 3">
-            <a:extLst>
-              <a:ext uri="{FF2B5EF4-FFF2-40B4-BE49-F238E27FC236}">
-                <a16:creationId xmlns:a16="http://schemas.microsoft.com/office/drawing/2014/main" id="{D10656F8-9145-4139-BD92-A6A1710C8A24}"/>
+          <p:cNvPr id="5" name="Image 4">
+            <a:extLst>
+              <a:ext uri="{FF2B5EF4-FFF2-40B4-BE49-F238E27FC236}">
+                <a16:creationId xmlns:a16="http://schemas.microsoft.com/office/drawing/2014/main" id="{DC0A16E7-1B0B-44AD-9A74-988B01BECBD4}"/>
               </a:ext>
             </a:extLst>
           </p:cNvPr>
@@ -1909,8 +1909,8 @@
         </p:blipFill>
         <p:spPr>
           <a:xfrm>
-            <a:off x="5588373" y="4137159"/>
-            <a:ext cx="5277587" cy="2286319"/>
+            <a:off x="5773423" y="4502090"/>
+            <a:ext cx="5544324" cy="1276528"/>
           </a:xfrm>
           <a:prstGeom prst="rect">
             <a:avLst/>
@@ -1948,7 +1948,7 @@
                             </p:stCondLst>
                             <p:childTnLst>
                               <p:par>
-                                <p:cTn id="5" presetID="10" presetClass="entr" presetSubtype="0" fill="hold" nodeType="clickEffect">
+                                <p:cTn id="5" presetID="1" presetClass="entr" presetSubtype="0" fill="hold" nodeType="clickEffect">
                                   <p:stCondLst>
                                     <p:cond delay="0"/>
                                   </p:stCondLst>
@@ -1961,7 +1961,7 @@
                                           </p:stCondLst>
                                         </p:cTn>
                                         <p:tgtEl>
-                                          <p:spTgt spid="4"/>
+                                          <p:spTgt spid="5"/>
                                         </p:tgtEl>
                                         <p:attrNameLst>
                                           <p:attrName>style.visibility</p:attrName>
@@ -1971,14 +1971,6 @@
                                         <p:strVal val="visible"/>
                                       </p:to>
                                     </p:set>
-                                    <p:animEffect transition="in" filter="fade">
-                                      <p:cBhvr>
-                                        <p:cTn id="7" dur="500"/>
-                                        <p:tgtEl>
-                                          <p:spTgt spid="4"/>
-                                        </p:tgtEl>
-                                      </p:cBhvr>
-                                    </p:animEffect>
                                   </p:childTnLst>
                                 </p:cTn>
                               </p:par>

--- a/assets/Calling third-party API using Refit.pptx
+++ b/assets/Calling third-party API using Refit.pptx
@@ -13,6 +13,10 @@
     <p:sldId id="259" r:id="rId7"/>
     <p:sldId id="260" r:id="rId8"/>
     <p:sldId id="261" r:id="rId9"/>
+    <p:sldId id="264" r:id="rId10"/>
+    <p:sldId id="265" r:id="rId11"/>
+    <p:sldId id="266" r:id="rId12"/>
+    <p:sldId id="267" r:id="rId13"/>
   </p:sldIdLst>
   <p:sldSz cx="12192000" cy="6858000"/>
   <p:notesSz cx="6858000" cy="9144000"/>
@@ -831,6 +835,2452 @@
 </p:sld>
 </file>
 
+<file path=ppt/slides/slide10.xml><?xml version="1.0" encoding="utf-8"?>
+<p:sld xmlns:a="http://schemas.openxmlformats.org/drawingml/2006/main" xmlns:r="http://schemas.openxmlformats.org/officeDocument/2006/relationships" xmlns:p="http://schemas.openxmlformats.org/presentationml/2006/main">
+  <p:cSld>
+    <p:spTree>
+      <p:nvGrpSpPr>
+        <p:cNvPr id="1" name=""/>
+        <p:cNvGrpSpPr/>
+        <p:nvPr/>
+      </p:nvGrpSpPr>
+      <p:grpSpPr>
+        <a:xfrm>
+          <a:off x="0" y="0"/>
+          <a:ext cx="0" cy="0"/>
+          <a:chOff x="0" y="0"/>
+          <a:chExt cx="0" cy="0"/>
+        </a:xfrm>
+      </p:grpSpPr>
+      <p:pic>
+        <p:nvPicPr>
+          <p:cNvPr id="68" name="Image 67">
+            <a:extLst>
+              <a:ext uri="{FF2B5EF4-FFF2-40B4-BE49-F238E27FC236}">
+                <a16:creationId xmlns:a16="http://schemas.microsoft.com/office/drawing/2014/main" id="{CF7C83A1-2A2C-4156-B053-79EBBB45FFC0}"/>
+              </a:ext>
+            </a:extLst>
+          </p:cNvPr>
+          <p:cNvPicPr>
+            <a:picLocks noChangeAspect="1"/>
+          </p:cNvPicPr>
+          <p:nvPr/>
+        </p:nvPicPr>
+        <p:blipFill>
+          <a:blip r:embed="rId2"/>
+          <a:stretch>
+            <a:fillRect/>
+          </a:stretch>
+        </p:blipFill>
+        <p:spPr>
+          <a:xfrm>
+            <a:off x="3038499" y="2768757"/>
+            <a:ext cx="47625" cy="1819275"/>
+          </a:xfrm>
+          <a:prstGeom prst="rect">
+            <a:avLst/>
+          </a:prstGeom>
+        </p:spPr>
+      </p:pic>
+      <p:pic>
+        <p:nvPicPr>
+          <p:cNvPr id="5" name="Image 4">
+            <a:extLst>
+              <a:ext uri="{FF2B5EF4-FFF2-40B4-BE49-F238E27FC236}">
+                <a16:creationId xmlns:a16="http://schemas.microsoft.com/office/drawing/2014/main" id="{6C55D5FF-F8B3-43CF-9B5B-10A36E25AF2F}"/>
+              </a:ext>
+            </a:extLst>
+          </p:cNvPr>
+          <p:cNvPicPr>
+            <a:picLocks noChangeAspect="1"/>
+          </p:cNvPicPr>
+          <p:nvPr/>
+        </p:nvPicPr>
+        <p:blipFill>
+          <a:blip r:embed="rId3"/>
+          <a:stretch>
+            <a:fillRect/>
+          </a:stretch>
+        </p:blipFill>
+        <p:spPr>
+          <a:xfrm>
+            <a:off x="1201510" y="1751335"/>
+            <a:ext cx="409575" cy="771525"/>
+          </a:xfrm>
+          <a:prstGeom prst="rect">
+            <a:avLst/>
+          </a:prstGeom>
+        </p:spPr>
+      </p:pic>
+      <p:pic>
+        <p:nvPicPr>
+          <p:cNvPr id="10" name="Image 9">
+            <a:extLst>
+              <a:ext uri="{FF2B5EF4-FFF2-40B4-BE49-F238E27FC236}">
+                <a16:creationId xmlns:a16="http://schemas.microsoft.com/office/drawing/2014/main" id="{804C9BED-DAB8-41BE-8585-37D389D51552}"/>
+              </a:ext>
+            </a:extLst>
+          </p:cNvPr>
+          <p:cNvPicPr>
+            <a:picLocks noChangeAspect="1"/>
+          </p:cNvPicPr>
+          <p:nvPr/>
+        </p:nvPicPr>
+        <p:blipFill>
+          <a:blip r:embed="rId4"/>
+          <a:stretch>
+            <a:fillRect/>
+          </a:stretch>
+        </p:blipFill>
+        <p:spPr>
+          <a:xfrm>
+            <a:off x="1929959" y="1670371"/>
+            <a:ext cx="1571625" cy="933450"/>
+          </a:xfrm>
+          <a:prstGeom prst="rect">
+            <a:avLst/>
+          </a:prstGeom>
+        </p:spPr>
+      </p:pic>
+      <p:pic>
+        <p:nvPicPr>
+          <p:cNvPr id="18" name="Image 17">
+            <a:extLst>
+              <a:ext uri="{FF2B5EF4-FFF2-40B4-BE49-F238E27FC236}">
+                <a16:creationId xmlns:a16="http://schemas.microsoft.com/office/drawing/2014/main" id="{9850A76A-F42C-42B9-8EBF-E17F0CFDE899}"/>
+              </a:ext>
+            </a:extLst>
+          </p:cNvPr>
+          <p:cNvPicPr>
+            <a:picLocks noChangeAspect="1"/>
+          </p:cNvPicPr>
+          <p:nvPr/>
+        </p:nvPicPr>
+        <p:blipFill>
+          <a:blip r:embed="rId5"/>
+          <a:stretch>
+            <a:fillRect/>
+          </a:stretch>
+        </p:blipFill>
+        <p:spPr>
+          <a:xfrm>
+            <a:off x="2380797" y="4258681"/>
+            <a:ext cx="1457325" cy="438150"/>
+          </a:xfrm>
+          <a:prstGeom prst="rect">
+            <a:avLst/>
+          </a:prstGeom>
+        </p:spPr>
+      </p:pic>
+      <p:pic>
+        <p:nvPicPr>
+          <p:cNvPr id="11" name="Image 10">
+            <a:extLst>
+              <a:ext uri="{FF2B5EF4-FFF2-40B4-BE49-F238E27FC236}">
+                <a16:creationId xmlns:a16="http://schemas.microsoft.com/office/drawing/2014/main" id="{038FF0CD-A372-485D-8224-DFAB1040C5F4}"/>
+              </a:ext>
+            </a:extLst>
+          </p:cNvPr>
+          <p:cNvPicPr>
+            <a:picLocks noChangeAspect="1"/>
+          </p:cNvPicPr>
+          <p:nvPr/>
+        </p:nvPicPr>
+        <p:blipFill>
+          <a:blip r:embed="rId6"/>
+          <a:stretch>
+            <a:fillRect/>
+          </a:stretch>
+        </p:blipFill>
+        <p:spPr>
+          <a:xfrm>
+            <a:off x="5478376" y="4086046"/>
+            <a:ext cx="1952625" cy="771525"/>
+          </a:xfrm>
+          <a:prstGeom prst="rect">
+            <a:avLst/>
+          </a:prstGeom>
+        </p:spPr>
+      </p:pic>
+      <p:pic>
+        <p:nvPicPr>
+          <p:cNvPr id="13" name="Image 12">
+            <a:extLst>
+              <a:ext uri="{FF2B5EF4-FFF2-40B4-BE49-F238E27FC236}">
+                <a16:creationId xmlns:a16="http://schemas.microsoft.com/office/drawing/2014/main" id="{C83F9B97-C498-4C3E-97C6-CA48319A1D5E}"/>
+              </a:ext>
+            </a:extLst>
+          </p:cNvPr>
+          <p:cNvPicPr>
+            <a:picLocks noChangeAspect="1"/>
+          </p:cNvPicPr>
+          <p:nvPr/>
+        </p:nvPicPr>
+        <p:blipFill>
+          <a:blip r:embed="rId7"/>
+          <a:stretch>
+            <a:fillRect/>
+          </a:stretch>
+        </p:blipFill>
+        <p:spPr>
+          <a:xfrm>
+            <a:off x="3954976" y="4226881"/>
+            <a:ext cx="1352550" cy="361950"/>
+          </a:xfrm>
+          <a:prstGeom prst="rect">
+            <a:avLst/>
+          </a:prstGeom>
+        </p:spPr>
+      </p:pic>
+      <p:sp>
+        <p:nvSpPr>
+          <p:cNvPr id="17" name="ZoneTexte 16">
+            <a:extLst>
+              <a:ext uri="{FF2B5EF4-FFF2-40B4-BE49-F238E27FC236}">
+                <a16:creationId xmlns:a16="http://schemas.microsoft.com/office/drawing/2014/main" id="{1B572C15-ABD5-474A-9695-36AD90BD9338}"/>
+              </a:ext>
+            </a:extLst>
+          </p:cNvPr>
+          <p:cNvSpPr txBox="1"/>
+          <p:nvPr/>
+        </p:nvSpPr>
+        <p:spPr>
+          <a:xfrm>
+            <a:off x="266701" y="285750"/>
+            <a:ext cx="9110382" cy="584775"/>
+          </a:xfrm>
+          <a:prstGeom prst="rect">
+            <a:avLst/>
+          </a:prstGeom>
+          <a:noFill/>
+        </p:spPr>
+        <p:txBody>
+          <a:bodyPr wrap="square" rtlCol="0">
+            <a:spAutoFit/>
+          </a:bodyPr>
+          <a:lstStyle/>
+          <a:p>
+            <a:r>
+              <a:rPr lang="fr-FR" sz="3200" dirty="0" err="1"/>
+              <a:t>Using</a:t>
+            </a:r>
+            <a:r>
+              <a:rPr lang="fr-FR" sz="3200" dirty="0"/>
+              <a:t> </a:t>
+            </a:r>
+            <a:r>
+              <a:rPr lang="fr-FR" sz="3200" dirty="0" err="1"/>
+              <a:t>HttpClient</a:t>
+            </a:r>
+            <a:r>
+              <a:rPr lang="fr-FR" sz="3200" dirty="0"/>
+              <a:t> handlers to </a:t>
+            </a:r>
+            <a:r>
+              <a:rPr lang="fr-FR" sz="3200" dirty="0" err="1"/>
+              <a:t>authenticate</a:t>
+            </a:r>
+            <a:r>
+              <a:rPr lang="fr-FR" sz="3200" dirty="0"/>
+              <a:t> HTTP calls</a:t>
+            </a:r>
+          </a:p>
+        </p:txBody>
+      </p:sp>
+      <p:pic>
+        <p:nvPicPr>
+          <p:cNvPr id="21" name="Image 20">
+            <a:extLst>
+              <a:ext uri="{FF2B5EF4-FFF2-40B4-BE49-F238E27FC236}">
+                <a16:creationId xmlns:a16="http://schemas.microsoft.com/office/drawing/2014/main" id="{42953B77-81E1-413B-B476-FAA35D55CF10}"/>
+              </a:ext>
+            </a:extLst>
+          </p:cNvPr>
+          <p:cNvPicPr>
+            <a:picLocks noChangeAspect="1"/>
+          </p:cNvPicPr>
+          <p:nvPr/>
+        </p:nvPicPr>
+        <p:blipFill>
+          <a:blip r:embed="rId8"/>
+          <a:stretch>
+            <a:fillRect/>
+          </a:stretch>
+        </p:blipFill>
+        <p:spPr>
+          <a:xfrm>
+            <a:off x="8440419" y="2522860"/>
+            <a:ext cx="2025067" cy="771454"/>
+          </a:xfrm>
+          <a:prstGeom prst="rect">
+            <a:avLst/>
+          </a:prstGeom>
+        </p:spPr>
+      </p:pic>
+      <p:pic>
+        <p:nvPicPr>
+          <p:cNvPr id="50" name="Image 49">
+            <a:extLst>
+              <a:ext uri="{FF2B5EF4-FFF2-40B4-BE49-F238E27FC236}">
+                <a16:creationId xmlns:a16="http://schemas.microsoft.com/office/drawing/2014/main" id="{29431B76-8487-4D1F-AB5A-549BA8D54666}"/>
+              </a:ext>
+            </a:extLst>
+          </p:cNvPr>
+          <p:cNvPicPr>
+            <a:picLocks noChangeAspect="1"/>
+          </p:cNvPicPr>
+          <p:nvPr/>
+        </p:nvPicPr>
+        <p:blipFill>
+          <a:blip r:embed="rId9"/>
+          <a:stretch>
+            <a:fillRect/>
+          </a:stretch>
+        </p:blipFill>
+        <p:spPr>
+          <a:xfrm>
+            <a:off x="4273293" y="2670968"/>
+            <a:ext cx="2857500" cy="504825"/>
+          </a:xfrm>
+          <a:prstGeom prst="rect">
+            <a:avLst/>
+          </a:prstGeom>
+        </p:spPr>
+      </p:pic>
+      <p:pic>
+        <p:nvPicPr>
+          <p:cNvPr id="62" name="Image 61">
+            <a:extLst>
+              <a:ext uri="{FF2B5EF4-FFF2-40B4-BE49-F238E27FC236}">
+                <a16:creationId xmlns:a16="http://schemas.microsoft.com/office/drawing/2014/main" id="{3D4A4A89-CEEF-4937-91D8-230081910AE3}"/>
+              </a:ext>
+            </a:extLst>
+          </p:cNvPr>
+          <p:cNvPicPr>
+            <a:picLocks noChangeAspect="1"/>
+          </p:cNvPicPr>
+          <p:nvPr/>
+        </p:nvPicPr>
+        <p:blipFill>
+          <a:blip r:embed="rId10"/>
+          <a:stretch>
+            <a:fillRect/>
+          </a:stretch>
+        </p:blipFill>
+        <p:spPr>
+          <a:xfrm>
+            <a:off x="2316864" y="2652332"/>
+            <a:ext cx="1484171" cy="512509"/>
+          </a:xfrm>
+          <a:prstGeom prst="rect">
+            <a:avLst/>
+          </a:prstGeom>
+        </p:spPr>
+      </p:pic>
+      <p:pic>
+        <p:nvPicPr>
+          <p:cNvPr id="72" name="Image 71">
+            <a:extLst>
+              <a:ext uri="{FF2B5EF4-FFF2-40B4-BE49-F238E27FC236}">
+                <a16:creationId xmlns:a16="http://schemas.microsoft.com/office/drawing/2014/main" id="{A03BD0E7-76ED-4059-B17F-118670371B33}"/>
+              </a:ext>
+            </a:extLst>
+          </p:cNvPr>
+          <p:cNvPicPr>
+            <a:picLocks noChangeAspect="1"/>
+          </p:cNvPicPr>
+          <p:nvPr/>
+        </p:nvPicPr>
+        <p:blipFill>
+          <a:blip r:embed="rId7"/>
+          <a:stretch>
+            <a:fillRect/>
+          </a:stretch>
+        </p:blipFill>
+        <p:spPr>
+          <a:xfrm>
+            <a:off x="7070216" y="2670968"/>
+            <a:ext cx="1352550" cy="361950"/>
+          </a:xfrm>
+          <a:prstGeom prst="rect">
+            <a:avLst/>
+          </a:prstGeom>
+        </p:spPr>
+      </p:pic>
+      <p:pic>
+        <p:nvPicPr>
+          <p:cNvPr id="78" name="Image 77">
+            <a:extLst>
+              <a:ext uri="{FF2B5EF4-FFF2-40B4-BE49-F238E27FC236}">
+                <a16:creationId xmlns:a16="http://schemas.microsoft.com/office/drawing/2014/main" id="{7F2DE3E4-8FFE-418E-B31C-FF5584A8510D}"/>
+              </a:ext>
+            </a:extLst>
+          </p:cNvPr>
+          <p:cNvPicPr>
+            <a:picLocks noChangeAspect="1"/>
+          </p:cNvPicPr>
+          <p:nvPr/>
+        </p:nvPicPr>
+        <p:blipFill>
+          <a:blip r:embed="rId11"/>
+          <a:stretch>
+            <a:fillRect/>
+          </a:stretch>
+        </p:blipFill>
+        <p:spPr>
+          <a:xfrm>
+            <a:off x="3769793" y="2851436"/>
+            <a:ext cx="542925" cy="114300"/>
+          </a:xfrm>
+          <a:prstGeom prst="rect">
+            <a:avLst/>
+          </a:prstGeom>
+        </p:spPr>
+      </p:pic>
+      <p:pic>
+        <p:nvPicPr>
+          <p:cNvPr id="19" name="Image 18">
+            <a:extLst>
+              <a:ext uri="{FF2B5EF4-FFF2-40B4-BE49-F238E27FC236}">
+                <a16:creationId xmlns:a16="http://schemas.microsoft.com/office/drawing/2014/main" id="{324E82E8-BCB8-4067-9F18-A72A7EBCC965}"/>
+              </a:ext>
+            </a:extLst>
+          </p:cNvPr>
+          <p:cNvPicPr>
+            <a:picLocks noChangeAspect="1"/>
+          </p:cNvPicPr>
+          <p:nvPr/>
+        </p:nvPicPr>
+        <p:blipFill>
+          <a:blip r:embed="rId12"/>
+          <a:stretch>
+            <a:fillRect/>
+          </a:stretch>
+        </p:blipFill>
+        <p:spPr>
+          <a:xfrm>
+            <a:off x="3775494" y="3120258"/>
+            <a:ext cx="619125" cy="1638300"/>
+          </a:xfrm>
+          <a:prstGeom prst="rect">
+            <a:avLst/>
+          </a:prstGeom>
+        </p:spPr>
+      </p:pic>
+      <p:pic>
+        <p:nvPicPr>
+          <p:cNvPr id="20" name="Image 19">
+            <a:extLst>
+              <a:ext uri="{FF2B5EF4-FFF2-40B4-BE49-F238E27FC236}">
+                <a16:creationId xmlns:a16="http://schemas.microsoft.com/office/drawing/2014/main" id="{A3FA2E74-B08D-4E89-97F3-F6A319F13166}"/>
+              </a:ext>
+            </a:extLst>
+          </p:cNvPr>
+          <p:cNvPicPr>
+            <a:picLocks noChangeAspect="1"/>
+          </p:cNvPicPr>
+          <p:nvPr/>
+        </p:nvPicPr>
+        <p:blipFill>
+          <a:blip r:embed="rId13"/>
+          <a:stretch>
+            <a:fillRect/>
+          </a:stretch>
+        </p:blipFill>
+        <p:spPr>
+          <a:xfrm>
+            <a:off x="4322869" y="3740349"/>
+            <a:ext cx="1571625" cy="933450"/>
+          </a:xfrm>
+          <a:prstGeom prst="rect">
+            <a:avLst/>
+          </a:prstGeom>
+        </p:spPr>
+      </p:pic>
+    </p:spTree>
+    <p:extLst>
+      <p:ext uri="{BB962C8B-B14F-4D97-AF65-F5344CB8AC3E}">
+        <p14:creationId xmlns:p14="http://schemas.microsoft.com/office/powerpoint/2010/main" val="2397392561"/>
+      </p:ext>
+    </p:extLst>
+  </p:cSld>
+  <p:clrMapOvr>
+    <a:masterClrMapping/>
+  </p:clrMapOvr>
+  <p:timing>
+    <p:tnLst>
+      <p:par>
+        <p:cTn id="1" dur="indefinite" restart="never" nodeType="tmRoot">
+          <p:childTnLst>
+            <p:seq concurrent="1" nextAc="seek">
+              <p:cTn id="2" dur="indefinite" nodeType="mainSeq">
+                <p:childTnLst>
+                  <p:par>
+                    <p:cTn id="3" fill="hold">
+                      <p:stCondLst>
+                        <p:cond delay="indefinite"/>
+                        <p:cond evt="onBegin" delay="0">
+                          <p:tn val="2"/>
+                        </p:cond>
+                      </p:stCondLst>
+                      <p:childTnLst>
+                        <p:par>
+                          <p:cTn id="4" fill="hold">
+                            <p:stCondLst>
+                              <p:cond delay="0"/>
+                            </p:stCondLst>
+                            <p:childTnLst>
+                              <p:par>
+                                <p:cTn id="5" presetID="42" presetClass="path" presetSubtype="0" accel="50000" decel="50000" fill="hold" nodeType="withEffect">
+                                  <p:stCondLst>
+                                    <p:cond delay="0"/>
+                                  </p:stCondLst>
+                                  <p:childTnLst>
+                                    <p:animMotion origin="layout" path="M -4.58333E-6 -4.07407E-6 L -0.20585 -0.00046 " pathEditMode="relative" rAng="0" ptsTypes="AA">
+                                      <p:cBhvr>
+                                        <p:cTn id="6" dur="2000" fill="hold"/>
+                                        <p:tgtEl>
+                                          <p:spTgt spid="5"/>
+                                        </p:tgtEl>
+                                        <p:attrNameLst>
+                                          <p:attrName>ppt_x</p:attrName>
+                                          <p:attrName>ppt_y</p:attrName>
+                                        </p:attrNameLst>
+                                      </p:cBhvr>
+                                      <p:rCtr x="-10299" y="-23"/>
+                                    </p:animMotion>
+                                  </p:childTnLst>
+                                </p:cTn>
+                              </p:par>
+                              <p:par>
+                                <p:cTn id="7" presetID="42" presetClass="path" presetSubtype="0" accel="50000" decel="50000" fill="hold" nodeType="withEffect">
+                                  <p:stCondLst>
+                                    <p:cond delay="250"/>
+                                  </p:stCondLst>
+                                  <p:childTnLst>
+                                    <p:animMotion origin="layout" path="M 3.54167E-6 -4.07407E-6 L -0.38008 0.00394 " pathEditMode="relative" rAng="0" ptsTypes="AA">
+                                      <p:cBhvr>
+                                        <p:cTn id="8" dur="2000" fill="hold"/>
+                                        <p:tgtEl>
+                                          <p:spTgt spid="10"/>
+                                        </p:tgtEl>
+                                        <p:attrNameLst>
+                                          <p:attrName>ppt_x</p:attrName>
+                                          <p:attrName>ppt_y</p:attrName>
+                                        </p:attrNameLst>
+                                      </p:cBhvr>
+                                      <p:rCtr x="-19010" y="185"/>
+                                    </p:animMotion>
+                                  </p:childTnLst>
+                                </p:cTn>
+                              </p:par>
+                              <p:par>
+                                <p:cTn id="9" presetID="42" presetClass="path" presetSubtype="0" accel="50000" decel="50000" fill="hold" nodeType="withEffect">
+                                  <p:stCondLst>
+                                    <p:cond delay="0"/>
+                                  </p:stCondLst>
+                                  <p:childTnLst>
+                                    <p:animMotion origin="layout" path="M -1.25E-6 -4.07407E-6 L -0.33099 0.26528 " pathEditMode="relative" rAng="0" ptsTypes="AA">
+                                      <p:cBhvr>
+                                        <p:cTn id="10" dur="2000" fill="hold"/>
+                                        <p:tgtEl>
+                                          <p:spTgt spid="62"/>
+                                        </p:tgtEl>
+                                        <p:attrNameLst>
+                                          <p:attrName>ppt_x</p:attrName>
+                                          <p:attrName>ppt_y</p:attrName>
+                                        </p:attrNameLst>
+                                      </p:cBhvr>
+                                      <p:rCtr x="-16549" y="13264"/>
+                                    </p:animMotion>
+                                  </p:childTnLst>
+                                </p:cTn>
+                              </p:par>
+                              <p:par>
+                                <p:cTn id="11" presetID="42" presetClass="path" presetSubtype="0" accel="50000" decel="50000" fill="hold" nodeType="withEffect">
+                                  <p:stCondLst>
+                                    <p:cond delay="0"/>
+                                  </p:stCondLst>
+                                  <p:childTnLst>
+                                    <p:animMotion origin="layout" path="M -1.875E-6 -2.59259E-6 L -0.26367 0.26528 " pathEditMode="relative" rAng="0" ptsTypes="AA">
+                                      <p:cBhvr>
+                                        <p:cTn id="12" dur="2000" fill="hold"/>
+                                        <p:tgtEl>
+                                          <p:spTgt spid="68"/>
+                                        </p:tgtEl>
+                                        <p:attrNameLst>
+                                          <p:attrName>ppt_x</p:attrName>
+                                          <p:attrName>ppt_y</p:attrName>
+                                        </p:attrNameLst>
+                                      </p:cBhvr>
+                                      <p:rCtr x="-13190" y="13264"/>
+                                    </p:animMotion>
+                                  </p:childTnLst>
+                                </p:cTn>
+                              </p:par>
+                              <p:par>
+                                <p:cTn id="13" presetID="42" presetClass="path" presetSubtype="0" accel="50000" decel="50000" fill="hold" nodeType="withEffect">
+                                  <p:stCondLst>
+                                    <p:cond delay="0"/>
+                                  </p:stCondLst>
+                                  <p:childTnLst>
+                                    <p:animMotion origin="layout" path="M 1.875E-6 7.40741E-7 L -0.32279 0.30532 " pathEditMode="relative" rAng="0" ptsTypes="AA">
+                                      <p:cBhvr>
+                                        <p:cTn id="14" dur="2000" fill="hold"/>
+                                        <p:tgtEl>
+                                          <p:spTgt spid="18"/>
+                                        </p:tgtEl>
+                                        <p:attrNameLst>
+                                          <p:attrName>ppt_x</p:attrName>
+                                          <p:attrName>ppt_y</p:attrName>
+                                        </p:attrNameLst>
+                                      </p:cBhvr>
+                                      <p:rCtr x="-16146" y="15255"/>
+                                    </p:animMotion>
+                                  </p:childTnLst>
+                                </p:cTn>
+                              </p:par>
+                              <p:par>
+                                <p:cTn id="15" presetID="42" presetClass="path" presetSubtype="0" accel="50000" decel="50000" fill="hold" nodeType="withEffect">
+                                  <p:stCondLst>
+                                    <p:cond delay="0"/>
+                                  </p:stCondLst>
+                                  <p:childTnLst>
+                                    <p:animMotion origin="layout" path="M 2.29167E-6 -4.07407E-6 L 0.00039 0.38982 " pathEditMode="relative" rAng="0" ptsTypes="AA">
+                                      <p:cBhvr>
+                                        <p:cTn id="16" dur="2000" fill="hold"/>
+                                        <p:tgtEl>
+                                          <p:spTgt spid="13"/>
+                                        </p:tgtEl>
+                                        <p:attrNameLst>
+                                          <p:attrName>ppt_x</p:attrName>
+                                          <p:attrName>ppt_y</p:attrName>
+                                        </p:attrNameLst>
+                                      </p:cBhvr>
+                                      <p:rCtr x="13" y="19491"/>
+                                    </p:animMotion>
+                                  </p:childTnLst>
+                                </p:cTn>
+                              </p:par>
+                              <p:par>
+                                <p:cTn id="17" presetID="42" presetClass="path" presetSubtype="0" accel="50000" decel="50000" fill="hold" nodeType="withEffect">
+                                  <p:stCondLst>
+                                    <p:cond delay="0"/>
+                                  </p:stCondLst>
+                                  <p:childTnLst>
+                                    <p:animMotion origin="layout" path="M 2.91667E-6 -3.33333E-6 L 0.00143 0.40926 " pathEditMode="relative" rAng="0" ptsTypes="AA">
+                                      <p:cBhvr>
+                                        <p:cTn id="18" dur="2000" fill="hold"/>
+                                        <p:tgtEl>
+                                          <p:spTgt spid="11"/>
+                                        </p:tgtEl>
+                                        <p:attrNameLst>
+                                          <p:attrName>ppt_x</p:attrName>
+                                          <p:attrName>ppt_y</p:attrName>
+                                        </p:attrNameLst>
+                                      </p:cBhvr>
+                                      <p:rCtr x="65" y="20463"/>
+                                    </p:animMotion>
+                                  </p:childTnLst>
+                                </p:cTn>
+                              </p:par>
+                              <p:par>
+                                <p:cTn id="19" presetID="10" presetClass="exit" presetSubtype="0" fill="hold" nodeType="withEffect">
+                                  <p:stCondLst>
+                                    <p:cond delay="0"/>
+                                  </p:stCondLst>
+                                  <p:childTnLst>
+                                    <p:animEffect transition="out" filter="fade">
+                                      <p:cBhvr>
+                                        <p:cTn id="20" dur="500"/>
+                                        <p:tgtEl>
+                                          <p:spTgt spid="78"/>
+                                        </p:tgtEl>
+                                      </p:cBhvr>
+                                    </p:animEffect>
+                                    <p:set>
+                                      <p:cBhvr>
+                                        <p:cTn id="21" dur="1" fill="hold">
+                                          <p:stCondLst>
+                                            <p:cond delay="499"/>
+                                          </p:stCondLst>
+                                        </p:cTn>
+                                        <p:tgtEl>
+                                          <p:spTgt spid="78"/>
+                                        </p:tgtEl>
+                                        <p:attrNameLst>
+                                          <p:attrName>style.visibility</p:attrName>
+                                        </p:attrNameLst>
+                                      </p:cBhvr>
+                                      <p:to>
+                                        <p:strVal val="hidden"/>
+                                      </p:to>
+                                    </p:set>
+                                  </p:childTnLst>
+                                </p:cTn>
+                              </p:par>
+                              <p:par>
+                                <p:cTn id="22" presetID="42" presetClass="path" presetSubtype="0" accel="50000" decel="50000" fill="hold" nodeType="withEffect">
+                                  <p:stCondLst>
+                                    <p:cond delay="0"/>
+                                  </p:stCondLst>
+                                  <p:childTnLst>
+                                    <p:animMotion origin="layout" path="M 1.66667E-6 2.59259E-6 L -0.1375 -0.00139 " pathEditMode="relative" rAng="0" ptsTypes="AA">
+                                      <p:cBhvr>
+                                        <p:cTn id="23" dur="2000" fill="hold"/>
+                                        <p:tgtEl>
+                                          <p:spTgt spid="50"/>
+                                        </p:tgtEl>
+                                        <p:attrNameLst>
+                                          <p:attrName>ppt_x</p:attrName>
+                                          <p:attrName>ppt_y</p:attrName>
+                                        </p:attrNameLst>
+                                      </p:cBhvr>
+                                      <p:rCtr x="-6875" y="-69"/>
+                                    </p:animMotion>
+                                  </p:childTnLst>
+                                </p:cTn>
+                              </p:par>
+                              <p:par>
+                                <p:cTn id="24" presetID="42" presetClass="path" presetSubtype="0" accel="50000" decel="50000" fill="hold" nodeType="withEffect">
+                                  <p:stCondLst>
+                                    <p:cond delay="0"/>
+                                  </p:stCondLst>
+                                  <p:childTnLst>
+                                    <p:animMotion origin="layout" path="M 3.33333E-6 -7.40741E-7 L -0.13542 -7.40741E-7 " pathEditMode="relative" rAng="0" ptsTypes="AA">
+                                      <p:cBhvr>
+                                        <p:cTn id="25" dur="2000" fill="hold"/>
+                                        <p:tgtEl>
+                                          <p:spTgt spid="72"/>
+                                        </p:tgtEl>
+                                        <p:attrNameLst>
+                                          <p:attrName>ppt_x</p:attrName>
+                                          <p:attrName>ppt_y</p:attrName>
+                                        </p:attrNameLst>
+                                      </p:cBhvr>
+                                      <p:rCtr x="-6771" y="0"/>
+                                    </p:animMotion>
+                                  </p:childTnLst>
+                                </p:cTn>
+                              </p:par>
+                              <p:par>
+                                <p:cTn id="26" presetID="42" presetClass="path" presetSubtype="0" accel="50000" decel="50000" fill="hold" nodeType="withEffect">
+                                  <p:stCondLst>
+                                    <p:cond delay="0"/>
+                                  </p:stCondLst>
+                                  <p:childTnLst>
+                                    <p:animMotion origin="layout" path="M -4.16667E-7 -4.07407E-6 L -0.13255 -4.07407E-6 " pathEditMode="relative" rAng="0" ptsTypes="AA">
+                                      <p:cBhvr>
+                                        <p:cTn id="27" dur="2000" fill="hold"/>
+                                        <p:tgtEl>
+                                          <p:spTgt spid="21"/>
+                                        </p:tgtEl>
+                                        <p:attrNameLst>
+                                          <p:attrName>ppt_x</p:attrName>
+                                          <p:attrName>ppt_y</p:attrName>
+                                        </p:attrNameLst>
+                                      </p:cBhvr>
+                                      <p:rCtr x="-6628" y="0"/>
+                                    </p:animMotion>
+                                  </p:childTnLst>
+                                </p:cTn>
+                              </p:par>
+                            </p:childTnLst>
+                          </p:cTn>
+                        </p:par>
+                      </p:childTnLst>
+                    </p:cTn>
+                  </p:par>
+                  <p:par>
+                    <p:cTn id="28" fill="hold">
+                      <p:stCondLst>
+                        <p:cond delay="indefinite"/>
+                      </p:stCondLst>
+                      <p:childTnLst>
+                        <p:par>
+                          <p:cTn id="29" fill="hold">
+                            <p:stCondLst>
+                              <p:cond delay="0"/>
+                            </p:stCondLst>
+                            <p:childTnLst>
+                              <p:par>
+                                <p:cTn id="30" presetID="10" presetClass="entr" presetSubtype="0" fill="hold" nodeType="clickEffect">
+                                  <p:stCondLst>
+                                    <p:cond delay="0"/>
+                                  </p:stCondLst>
+                                  <p:childTnLst>
+                                    <p:set>
+                                      <p:cBhvr>
+                                        <p:cTn id="31" dur="1" fill="hold">
+                                          <p:stCondLst>
+                                            <p:cond delay="0"/>
+                                          </p:stCondLst>
+                                        </p:cTn>
+                                        <p:tgtEl>
+                                          <p:spTgt spid="19"/>
+                                        </p:tgtEl>
+                                        <p:attrNameLst>
+                                          <p:attrName>style.visibility</p:attrName>
+                                        </p:attrNameLst>
+                                      </p:cBhvr>
+                                      <p:to>
+                                        <p:strVal val="visible"/>
+                                      </p:to>
+                                    </p:set>
+                                    <p:animEffect transition="in" filter="fade">
+                                      <p:cBhvr>
+                                        <p:cTn id="32" dur="500"/>
+                                        <p:tgtEl>
+                                          <p:spTgt spid="19"/>
+                                        </p:tgtEl>
+                                      </p:cBhvr>
+                                    </p:animEffect>
+                                  </p:childTnLst>
+                                </p:cTn>
+                              </p:par>
+                            </p:childTnLst>
+                          </p:cTn>
+                        </p:par>
+                        <p:par>
+                          <p:cTn id="33" fill="hold">
+                            <p:stCondLst>
+                              <p:cond delay="500"/>
+                            </p:stCondLst>
+                            <p:childTnLst>
+                              <p:par>
+                                <p:cTn id="34" presetID="10" presetClass="entr" presetSubtype="0" fill="hold" nodeType="afterEffect">
+                                  <p:stCondLst>
+                                    <p:cond delay="0"/>
+                                  </p:stCondLst>
+                                  <p:childTnLst>
+                                    <p:set>
+                                      <p:cBhvr>
+                                        <p:cTn id="35" dur="1" fill="hold">
+                                          <p:stCondLst>
+                                            <p:cond delay="0"/>
+                                          </p:stCondLst>
+                                        </p:cTn>
+                                        <p:tgtEl>
+                                          <p:spTgt spid="20"/>
+                                        </p:tgtEl>
+                                        <p:attrNameLst>
+                                          <p:attrName>style.visibility</p:attrName>
+                                        </p:attrNameLst>
+                                      </p:cBhvr>
+                                      <p:to>
+                                        <p:strVal val="visible"/>
+                                      </p:to>
+                                    </p:set>
+                                    <p:animEffect transition="in" filter="fade">
+                                      <p:cBhvr>
+                                        <p:cTn id="36" dur="500"/>
+                                        <p:tgtEl>
+                                          <p:spTgt spid="20"/>
+                                        </p:tgtEl>
+                                      </p:cBhvr>
+                                    </p:animEffect>
+                                  </p:childTnLst>
+                                </p:cTn>
+                              </p:par>
+                            </p:childTnLst>
+                          </p:cTn>
+                        </p:par>
+                      </p:childTnLst>
+                    </p:cTn>
+                  </p:par>
+                </p:childTnLst>
+              </p:cTn>
+              <p:prevCondLst>
+                <p:cond evt="onPrev" delay="0">
+                  <p:tgtEl>
+                    <p:sldTgt/>
+                  </p:tgtEl>
+                </p:cond>
+              </p:prevCondLst>
+              <p:nextCondLst>
+                <p:cond evt="onNext" delay="0">
+                  <p:tgtEl>
+                    <p:sldTgt/>
+                  </p:tgtEl>
+                </p:cond>
+              </p:nextCondLst>
+            </p:seq>
+          </p:childTnLst>
+        </p:cTn>
+      </p:par>
+    </p:tnLst>
+  </p:timing>
+</p:sld>
+</file>
+
+<file path=ppt/slides/slide11.xml><?xml version="1.0" encoding="utf-8"?>
+<p:sld xmlns:a="http://schemas.openxmlformats.org/drawingml/2006/main" xmlns:r="http://schemas.openxmlformats.org/officeDocument/2006/relationships" xmlns:p="http://schemas.openxmlformats.org/presentationml/2006/main">
+  <p:cSld>
+    <p:spTree>
+      <p:nvGrpSpPr>
+        <p:cNvPr id="1" name=""/>
+        <p:cNvGrpSpPr/>
+        <p:nvPr/>
+      </p:nvGrpSpPr>
+      <p:grpSpPr>
+        <a:xfrm>
+          <a:off x="0" y="0"/>
+          <a:ext cx="0" cy="0"/>
+          <a:chOff x="0" y="0"/>
+          <a:chExt cx="0" cy="0"/>
+        </a:xfrm>
+      </p:grpSpPr>
+      <p:pic>
+        <p:nvPicPr>
+          <p:cNvPr id="10" name="Image 9">
+            <a:extLst>
+              <a:ext uri="{FF2B5EF4-FFF2-40B4-BE49-F238E27FC236}">
+                <a16:creationId xmlns:a16="http://schemas.microsoft.com/office/drawing/2014/main" id="{804C9BED-DAB8-41BE-8585-37D389D51552}"/>
+              </a:ext>
+            </a:extLst>
+          </p:cNvPr>
+          <p:cNvPicPr>
+            <a:picLocks noChangeAspect="1"/>
+          </p:cNvPicPr>
+          <p:nvPr/>
+        </p:nvPicPr>
+        <p:blipFill>
+          <a:blip r:embed="rId2"/>
+          <a:stretch>
+            <a:fillRect/>
+          </a:stretch>
+        </p:blipFill>
+        <p:spPr>
+          <a:xfrm>
+            <a:off x="4319258" y="3739106"/>
+            <a:ext cx="1571625" cy="933450"/>
+          </a:xfrm>
+          <a:prstGeom prst="rect">
+            <a:avLst/>
+          </a:prstGeom>
+        </p:spPr>
+      </p:pic>
+      <p:sp>
+        <p:nvSpPr>
+          <p:cNvPr id="17" name="ZoneTexte 16">
+            <a:extLst>
+              <a:ext uri="{FF2B5EF4-FFF2-40B4-BE49-F238E27FC236}">
+                <a16:creationId xmlns:a16="http://schemas.microsoft.com/office/drawing/2014/main" id="{1B572C15-ABD5-474A-9695-36AD90BD9338}"/>
+              </a:ext>
+            </a:extLst>
+          </p:cNvPr>
+          <p:cNvSpPr txBox="1"/>
+          <p:nvPr/>
+        </p:nvSpPr>
+        <p:spPr>
+          <a:xfrm>
+            <a:off x="266701" y="285750"/>
+            <a:ext cx="9110382" cy="584775"/>
+          </a:xfrm>
+          <a:prstGeom prst="rect">
+            <a:avLst/>
+          </a:prstGeom>
+          <a:noFill/>
+        </p:spPr>
+        <p:txBody>
+          <a:bodyPr wrap="square" rtlCol="0">
+            <a:spAutoFit/>
+          </a:bodyPr>
+          <a:lstStyle/>
+          <a:p>
+            <a:r>
+              <a:rPr lang="fr-FR" sz="3200" dirty="0" err="1"/>
+              <a:t>Using</a:t>
+            </a:r>
+            <a:r>
+              <a:rPr lang="fr-FR" sz="3200" dirty="0"/>
+              <a:t> </a:t>
+            </a:r>
+            <a:r>
+              <a:rPr lang="fr-FR" sz="3200" dirty="0" err="1"/>
+              <a:t>HttpClient</a:t>
+            </a:r>
+            <a:r>
+              <a:rPr lang="fr-FR" sz="3200" dirty="0"/>
+              <a:t> handlers to </a:t>
+            </a:r>
+            <a:r>
+              <a:rPr lang="fr-FR" sz="3200" dirty="0" err="1"/>
+              <a:t>authenticate</a:t>
+            </a:r>
+            <a:r>
+              <a:rPr lang="fr-FR" sz="3200" dirty="0"/>
+              <a:t> HTTP calls</a:t>
+            </a:r>
+          </a:p>
+        </p:txBody>
+      </p:sp>
+      <p:pic>
+        <p:nvPicPr>
+          <p:cNvPr id="21" name="Image 20">
+            <a:extLst>
+              <a:ext uri="{FF2B5EF4-FFF2-40B4-BE49-F238E27FC236}">
+                <a16:creationId xmlns:a16="http://schemas.microsoft.com/office/drawing/2014/main" id="{42953B77-81E1-413B-B476-FAA35D55CF10}"/>
+              </a:ext>
+            </a:extLst>
+          </p:cNvPr>
+          <p:cNvPicPr>
+            <a:picLocks noChangeAspect="1"/>
+          </p:cNvPicPr>
+          <p:nvPr/>
+        </p:nvPicPr>
+        <p:blipFill>
+          <a:blip r:embed="rId3"/>
+          <a:stretch>
+            <a:fillRect/>
+          </a:stretch>
+        </p:blipFill>
+        <p:spPr>
+          <a:xfrm>
+            <a:off x="6826770" y="2522860"/>
+            <a:ext cx="2025067" cy="771454"/>
+          </a:xfrm>
+          <a:prstGeom prst="rect">
+            <a:avLst/>
+          </a:prstGeom>
+        </p:spPr>
+      </p:pic>
+      <p:pic>
+        <p:nvPicPr>
+          <p:cNvPr id="50" name="Image 49">
+            <a:extLst>
+              <a:ext uri="{FF2B5EF4-FFF2-40B4-BE49-F238E27FC236}">
+                <a16:creationId xmlns:a16="http://schemas.microsoft.com/office/drawing/2014/main" id="{29431B76-8487-4D1F-AB5A-549BA8D54666}"/>
+              </a:ext>
+            </a:extLst>
+          </p:cNvPr>
+          <p:cNvPicPr>
+            <a:picLocks noChangeAspect="1"/>
+          </p:cNvPicPr>
+          <p:nvPr/>
+        </p:nvPicPr>
+        <p:blipFill>
+          <a:blip r:embed="rId4"/>
+          <a:stretch>
+            <a:fillRect/>
+          </a:stretch>
+        </p:blipFill>
+        <p:spPr>
+          <a:xfrm>
+            <a:off x="2596889" y="2662003"/>
+            <a:ext cx="2857500" cy="504825"/>
+          </a:xfrm>
+          <a:prstGeom prst="rect">
+            <a:avLst/>
+          </a:prstGeom>
+        </p:spPr>
+      </p:pic>
+      <p:pic>
+        <p:nvPicPr>
+          <p:cNvPr id="72" name="Image 71">
+            <a:extLst>
+              <a:ext uri="{FF2B5EF4-FFF2-40B4-BE49-F238E27FC236}">
+                <a16:creationId xmlns:a16="http://schemas.microsoft.com/office/drawing/2014/main" id="{A03BD0E7-76ED-4059-B17F-118670371B33}"/>
+              </a:ext>
+            </a:extLst>
+          </p:cNvPr>
+          <p:cNvPicPr>
+            <a:picLocks noChangeAspect="1"/>
+          </p:cNvPicPr>
+          <p:nvPr/>
+        </p:nvPicPr>
+        <p:blipFill>
+          <a:blip r:embed="rId5"/>
+          <a:stretch>
+            <a:fillRect/>
+          </a:stretch>
+        </p:blipFill>
+        <p:spPr>
+          <a:xfrm>
+            <a:off x="5420707" y="2670968"/>
+            <a:ext cx="1352550" cy="361950"/>
+          </a:xfrm>
+          <a:prstGeom prst="rect">
+            <a:avLst/>
+          </a:prstGeom>
+        </p:spPr>
+      </p:pic>
+      <p:pic>
+        <p:nvPicPr>
+          <p:cNvPr id="19" name="Image 18">
+            <a:extLst>
+              <a:ext uri="{FF2B5EF4-FFF2-40B4-BE49-F238E27FC236}">
+                <a16:creationId xmlns:a16="http://schemas.microsoft.com/office/drawing/2014/main" id="{324E82E8-BCB8-4067-9F18-A72A7EBCC965}"/>
+              </a:ext>
+            </a:extLst>
+          </p:cNvPr>
+          <p:cNvPicPr>
+            <a:picLocks noChangeAspect="1"/>
+          </p:cNvPicPr>
+          <p:nvPr/>
+        </p:nvPicPr>
+        <p:blipFill>
+          <a:blip r:embed="rId6"/>
+          <a:stretch>
+            <a:fillRect/>
+          </a:stretch>
+        </p:blipFill>
+        <p:spPr>
+          <a:xfrm>
+            <a:off x="3776517" y="3119309"/>
+            <a:ext cx="619125" cy="1638300"/>
+          </a:xfrm>
+          <a:prstGeom prst="rect">
+            <a:avLst/>
+          </a:prstGeom>
+        </p:spPr>
+      </p:pic>
+      <p:pic>
+        <p:nvPicPr>
+          <p:cNvPr id="16" name="Image 15">
+            <a:extLst>
+              <a:ext uri="{FF2B5EF4-FFF2-40B4-BE49-F238E27FC236}">
+                <a16:creationId xmlns:a16="http://schemas.microsoft.com/office/drawing/2014/main" id="{4937C18C-3D88-4907-B433-E608F58E2487}"/>
+              </a:ext>
+            </a:extLst>
+          </p:cNvPr>
+          <p:cNvPicPr>
+            <a:picLocks noChangeAspect="1"/>
+          </p:cNvPicPr>
+          <p:nvPr/>
+        </p:nvPicPr>
+        <p:blipFill>
+          <a:blip r:embed="rId7"/>
+          <a:stretch>
+            <a:fillRect/>
+          </a:stretch>
+        </p:blipFill>
+        <p:spPr>
+          <a:xfrm>
+            <a:off x="4692044" y="3429000"/>
+            <a:ext cx="1457325" cy="438150"/>
+          </a:xfrm>
+          <a:prstGeom prst="rect">
+            <a:avLst/>
+          </a:prstGeom>
+        </p:spPr>
+      </p:pic>
+      <p:pic>
+        <p:nvPicPr>
+          <p:cNvPr id="22" name="Image 21">
+            <a:extLst>
+              <a:ext uri="{FF2B5EF4-FFF2-40B4-BE49-F238E27FC236}">
+                <a16:creationId xmlns:a16="http://schemas.microsoft.com/office/drawing/2014/main" id="{FAFF96BE-AB74-4E40-B6C5-4CAD605717B8}"/>
+              </a:ext>
+            </a:extLst>
+          </p:cNvPr>
+          <p:cNvPicPr>
+            <a:picLocks noChangeAspect="1"/>
+          </p:cNvPicPr>
+          <p:nvPr/>
+        </p:nvPicPr>
+        <p:blipFill>
+          <a:blip r:embed="rId8"/>
+          <a:stretch>
+            <a:fillRect/>
+          </a:stretch>
+        </p:blipFill>
+        <p:spPr>
+          <a:xfrm>
+            <a:off x="4692045" y="3938160"/>
+            <a:ext cx="1457325" cy="438150"/>
+          </a:xfrm>
+          <a:prstGeom prst="rect">
+            <a:avLst/>
+          </a:prstGeom>
+        </p:spPr>
+      </p:pic>
+      <p:pic>
+        <p:nvPicPr>
+          <p:cNvPr id="23" name="Image 22">
+            <a:extLst>
+              <a:ext uri="{FF2B5EF4-FFF2-40B4-BE49-F238E27FC236}">
+                <a16:creationId xmlns:a16="http://schemas.microsoft.com/office/drawing/2014/main" id="{2E5DA6D0-826A-4B98-9352-D101A1B46330}"/>
+              </a:ext>
+            </a:extLst>
+          </p:cNvPr>
+          <p:cNvPicPr>
+            <a:picLocks noChangeAspect="1"/>
+          </p:cNvPicPr>
+          <p:nvPr/>
+        </p:nvPicPr>
+        <p:blipFill>
+          <a:blip r:embed="rId9"/>
+          <a:stretch>
+            <a:fillRect/>
+          </a:stretch>
+        </p:blipFill>
+        <p:spPr>
+          <a:xfrm>
+            <a:off x="4692044" y="4447320"/>
+            <a:ext cx="1457325" cy="438150"/>
+          </a:xfrm>
+          <a:prstGeom prst="rect">
+            <a:avLst/>
+          </a:prstGeom>
+        </p:spPr>
+      </p:pic>
+      <p:pic>
+        <p:nvPicPr>
+          <p:cNvPr id="24" name="Image 23">
+            <a:extLst>
+              <a:ext uri="{FF2B5EF4-FFF2-40B4-BE49-F238E27FC236}">
+                <a16:creationId xmlns:a16="http://schemas.microsoft.com/office/drawing/2014/main" id="{CA6A891F-5315-45C8-8706-8BFE8EEAA637}"/>
+              </a:ext>
+            </a:extLst>
+          </p:cNvPr>
+          <p:cNvPicPr>
+            <a:picLocks noChangeAspect="1"/>
+          </p:cNvPicPr>
+          <p:nvPr/>
+        </p:nvPicPr>
+        <p:blipFill>
+          <a:blip r:embed="rId10"/>
+          <a:stretch>
+            <a:fillRect/>
+          </a:stretch>
+        </p:blipFill>
+        <p:spPr>
+          <a:xfrm>
+            <a:off x="4692043" y="4956480"/>
+            <a:ext cx="1457325" cy="438150"/>
+          </a:xfrm>
+          <a:prstGeom prst="rect">
+            <a:avLst/>
+          </a:prstGeom>
+        </p:spPr>
+      </p:pic>
+    </p:spTree>
+    <p:extLst>
+      <p:ext uri="{BB962C8B-B14F-4D97-AF65-F5344CB8AC3E}">
+        <p14:creationId xmlns:p14="http://schemas.microsoft.com/office/powerpoint/2010/main" val="744885688"/>
+      </p:ext>
+    </p:extLst>
+  </p:cSld>
+  <p:clrMapOvr>
+    <a:masterClrMapping/>
+  </p:clrMapOvr>
+  <p:timing>
+    <p:tnLst>
+      <p:par>
+        <p:cTn id="1" dur="indefinite" restart="never" nodeType="tmRoot">
+          <p:childTnLst>
+            <p:seq concurrent="1" nextAc="seek">
+              <p:cTn id="2" dur="indefinite" nodeType="mainSeq">
+                <p:childTnLst>
+                  <p:par>
+                    <p:cTn id="3" fill="hold">
+                      <p:stCondLst>
+                        <p:cond delay="indefinite"/>
+                      </p:stCondLst>
+                      <p:childTnLst>
+                        <p:par>
+                          <p:cTn id="4" fill="hold">
+                            <p:stCondLst>
+                              <p:cond delay="0"/>
+                            </p:stCondLst>
+                            <p:childTnLst>
+                              <p:par>
+                                <p:cTn id="5" presetID="10" presetClass="exit" presetSubtype="0" fill="hold" nodeType="clickEffect">
+                                  <p:stCondLst>
+                                    <p:cond delay="0"/>
+                                  </p:stCondLst>
+                                  <p:childTnLst>
+                                    <p:animEffect transition="out" filter="fade">
+                                      <p:cBhvr>
+                                        <p:cTn id="6" dur="500"/>
+                                        <p:tgtEl>
+                                          <p:spTgt spid="19"/>
+                                        </p:tgtEl>
+                                      </p:cBhvr>
+                                    </p:animEffect>
+                                    <p:set>
+                                      <p:cBhvr>
+                                        <p:cTn id="7" dur="1" fill="hold">
+                                          <p:stCondLst>
+                                            <p:cond delay="499"/>
+                                          </p:stCondLst>
+                                        </p:cTn>
+                                        <p:tgtEl>
+                                          <p:spTgt spid="19"/>
+                                        </p:tgtEl>
+                                        <p:attrNameLst>
+                                          <p:attrName>style.visibility</p:attrName>
+                                        </p:attrNameLst>
+                                      </p:cBhvr>
+                                      <p:to>
+                                        <p:strVal val="hidden"/>
+                                      </p:to>
+                                    </p:set>
+                                  </p:childTnLst>
+                                </p:cTn>
+                              </p:par>
+                              <p:par>
+                                <p:cTn id="8" presetID="10" presetClass="exit" presetSubtype="0" fill="hold" nodeType="withEffect">
+                                  <p:stCondLst>
+                                    <p:cond delay="0"/>
+                                  </p:stCondLst>
+                                  <p:childTnLst>
+                                    <p:animEffect transition="out" filter="fade">
+                                      <p:cBhvr>
+                                        <p:cTn id="9" dur="500"/>
+                                        <p:tgtEl>
+                                          <p:spTgt spid="50"/>
+                                        </p:tgtEl>
+                                      </p:cBhvr>
+                                    </p:animEffect>
+                                    <p:set>
+                                      <p:cBhvr>
+                                        <p:cTn id="10" dur="1" fill="hold">
+                                          <p:stCondLst>
+                                            <p:cond delay="499"/>
+                                          </p:stCondLst>
+                                        </p:cTn>
+                                        <p:tgtEl>
+                                          <p:spTgt spid="50"/>
+                                        </p:tgtEl>
+                                        <p:attrNameLst>
+                                          <p:attrName>style.visibility</p:attrName>
+                                        </p:attrNameLst>
+                                      </p:cBhvr>
+                                      <p:to>
+                                        <p:strVal val="hidden"/>
+                                      </p:to>
+                                    </p:set>
+                                  </p:childTnLst>
+                                </p:cTn>
+                              </p:par>
+                              <p:par>
+                                <p:cTn id="11" presetID="42" presetClass="path" presetSubtype="0" accel="50000" decel="50000" fill="hold" nodeType="withEffect">
+                                  <p:stCondLst>
+                                    <p:cond delay="0"/>
+                                  </p:stCondLst>
+                                  <p:childTnLst>
+                                    <p:animMotion origin="layout" path="M 0 -4.44444E-6 L -0.05378 -0.19745 " pathEditMode="relative" rAng="0" ptsTypes="AA">
+                                      <p:cBhvr>
+                                        <p:cTn id="12" dur="2000" fill="hold"/>
+                                        <p:tgtEl>
+                                          <p:spTgt spid="10"/>
+                                        </p:tgtEl>
+                                        <p:attrNameLst>
+                                          <p:attrName>ppt_x</p:attrName>
+                                          <p:attrName>ppt_y</p:attrName>
+                                        </p:attrNameLst>
+                                      </p:cBhvr>
+                                      <p:rCtr x="-2695" y="-9884"/>
+                                    </p:animMotion>
+                                  </p:childTnLst>
+                                </p:cTn>
+                              </p:par>
+                            </p:childTnLst>
+                          </p:cTn>
+                        </p:par>
+                        <p:par>
+                          <p:cTn id="13" fill="hold">
+                            <p:stCondLst>
+                              <p:cond delay="2000"/>
+                            </p:stCondLst>
+                            <p:childTnLst>
+                              <p:par>
+                                <p:cTn id="14" presetID="10" presetClass="entr" presetSubtype="0" fill="hold" nodeType="afterEffect">
+                                  <p:stCondLst>
+                                    <p:cond delay="0"/>
+                                  </p:stCondLst>
+                                  <p:childTnLst>
+                                    <p:set>
+                                      <p:cBhvr>
+                                        <p:cTn id="15" dur="1" fill="hold">
+                                          <p:stCondLst>
+                                            <p:cond delay="0"/>
+                                          </p:stCondLst>
+                                        </p:cTn>
+                                        <p:tgtEl>
+                                          <p:spTgt spid="16"/>
+                                        </p:tgtEl>
+                                        <p:attrNameLst>
+                                          <p:attrName>style.visibility</p:attrName>
+                                        </p:attrNameLst>
+                                      </p:cBhvr>
+                                      <p:to>
+                                        <p:strVal val="visible"/>
+                                      </p:to>
+                                    </p:set>
+                                    <p:animEffect transition="in" filter="fade">
+                                      <p:cBhvr>
+                                        <p:cTn id="16" dur="500"/>
+                                        <p:tgtEl>
+                                          <p:spTgt spid="16"/>
+                                        </p:tgtEl>
+                                      </p:cBhvr>
+                                    </p:animEffect>
+                                  </p:childTnLst>
+                                </p:cTn>
+                              </p:par>
+                            </p:childTnLst>
+                          </p:cTn>
+                        </p:par>
+                        <p:par>
+                          <p:cTn id="17" fill="hold">
+                            <p:stCondLst>
+                              <p:cond delay="2500"/>
+                            </p:stCondLst>
+                            <p:childTnLst>
+                              <p:par>
+                                <p:cTn id="18" presetID="10" presetClass="entr" presetSubtype="0" fill="hold" nodeType="afterEffect">
+                                  <p:stCondLst>
+                                    <p:cond delay="0"/>
+                                  </p:stCondLst>
+                                  <p:childTnLst>
+                                    <p:set>
+                                      <p:cBhvr>
+                                        <p:cTn id="19" dur="1" fill="hold">
+                                          <p:stCondLst>
+                                            <p:cond delay="0"/>
+                                          </p:stCondLst>
+                                        </p:cTn>
+                                        <p:tgtEl>
+                                          <p:spTgt spid="22"/>
+                                        </p:tgtEl>
+                                        <p:attrNameLst>
+                                          <p:attrName>style.visibility</p:attrName>
+                                        </p:attrNameLst>
+                                      </p:cBhvr>
+                                      <p:to>
+                                        <p:strVal val="visible"/>
+                                      </p:to>
+                                    </p:set>
+                                    <p:animEffect transition="in" filter="fade">
+                                      <p:cBhvr>
+                                        <p:cTn id="20" dur="500"/>
+                                        <p:tgtEl>
+                                          <p:spTgt spid="22"/>
+                                        </p:tgtEl>
+                                      </p:cBhvr>
+                                    </p:animEffect>
+                                  </p:childTnLst>
+                                </p:cTn>
+                              </p:par>
+                            </p:childTnLst>
+                          </p:cTn>
+                        </p:par>
+                        <p:par>
+                          <p:cTn id="21" fill="hold">
+                            <p:stCondLst>
+                              <p:cond delay="3000"/>
+                            </p:stCondLst>
+                            <p:childTnLst>
+                              <p:par>
+                                <p:cTn id="22" presetID="10" presetClass="entr" presetSubtype="0" fill="hold" nodeType="afterEffect">
+                                  <p:stCondLst>
+                                    <p:cond delay="0"/>
+                                  </p:stCondLst>
+                                  <p:childTnLst>
+                                    <p:set>
+                                      <p:cBhvr>
+                                        <p:cTn id="23" dur="1" fill="hold">
+                                          <p:stCondLst>
+                                            <p:cond delay="0"/>
+                                          </p:stCondLst>
+                                        </p:cTn>
+                                        <p:tgtEl>
+                                          <p:spTgt spid="23"/>
+                                        </p:tgtEl>
+                                        <p:attrNameLst>
+                                          <p:attrName>style.visibility</p:attrName>
+                                        </p:attrNameLst>
+                                      </p:cBhvr>
+                                      <p:to>
+                                        <p:strVal val="visible"/>
+                                      </p:to>
+                                    </p:set>
+                                    <p:animEffect transition="in" filter="fade">
+                                      <p:cBhvr>
+                                        <p:cTn id="24" dur="500"/>
+                                        <p:tgtEl>
+                                          <p:spTgt spid="23"/>
+                                        </p:tgtEl>
+                                      </p:cBhvr>
+                                    </p:animEffect>
+                                  </p:childTnLst>
+                                </p:cTn>
+                              </p:par>
+                            </p:childTnLst>
+                          </p:cTn>
+                        </p:par>
+                        <p:par>
+                          <p:cTn id="25" fill="hold">
+                            <p:stCondLst>
+                              <p:cond delay="3500"/>
+                            </p:stCondLst>
+                            <p:childTnLst>
+                              <p:par>
+                                <p:cTn id="26" presetID="10" presetClass="entr" presetSubtype="0" fill="hold" nodeType="afterEffect">
+                                  <p:stCondLst>
+                                    <p:cond delay="0"/>
+                                  </p:stCondLst>
+                                  <p:childTnLst>
+                                    <p:set>
+                                      <p:cBhvr>
+                                        <p:cTn id="27" dur="1" fill="hold">
+                                          <p:stCondLst>
+                                            <p:cond delay="0"/>
+                                          </p:stCondLst>
+                                        </p:cTn>
+                                        <p:tgtEl>
+                                          <p:spTgt spid="24"/>
+                                        </p:tgtEl>
+                                        <p:attrNameLst>
+                                          <p:attrName>style.visibility</p:attrName>
+                                        </p:attrNameLst>
+                                      </p:cBhvr>
+                                      <p:to>
+                                        <p:strVal val="visible"/>
+                                      </p:to>
+                                    </p:set>
+                                    <p:animEffect transition="in" filter="fade">
+                                      <p:cBhvr>
+                                        <p:cTn id="28" dur="500"/>
+                                        <p:tgtEl>
+                                          <p:spTgt spid="24"/>
+                                        </p:tgtEl>
+                                      </p:cBhvr>
+                                    </p:animEffect>
+                                  </p:childTnLst>
+                                </p:cTn>
+                              </p:par>
+                            </p:childTnLst>
+                          </p:cTn>
+                        </p:par>
+                      </p:childTnLst>
+                    </p:cTn>
+                  </p:par>
+                  <p:par>
+                    <p:cTn id="29" fill="hold">
+                      <p:stCondLst>
+                        <p:cond delay="indefinite"/>
+                      </p:stCondLst>
+                      <p:childTnLst>
+                        <p:par>
+                          <p:cTn id="30" fill="hold">
+                            <p:stCondLst>
+                              <p:cond delay="0"/>
+                            </p:stCondLst>
+                            <p:childTnLst>
+                              <p:par>
+                                <p:cTn id="31" presetID="42" presetClass="path" presetSubtype="0" accel="50000" decel="50000" fill="hold" nodeType="clickEffect">
+                                  <p:stCondLst>
+                                    <p:cond delay="0"/>
+                                  </p:stCondLst>
+                                  <p:childTnLst>
+                                    <p:animMotion origin="layout" path="M -2.08333E-7 -7.40741E-7 L 0.06094 0.3294 " pathEditMode="relative" rAng="0" ptsTypes="AA">
+                                      <p:cBhvr>
+                                        <p:cTn id="32" dur="2000" fill="hold"/>
+                                        <p:tgtEl>
+                                          <p:spTgt spid="72"/>
+                                        </p:tgtEl>
+                                        <p:attrNameLst>
+                                          <p:attrName>ppt_x</p:attrName>
+                                          <p:attrName>ppt_y</p:attrName>
+                                        </p:attrNameLst>
+                                      </p:cBhvr>
+                                      <p:rCtr x="3047" y="16458"/>
+                                    </p:animMotion>
+                                  </p:childTnLst>
+                                </p:cTn>
+                              </p:par>
+                              <p:par>
+                                <p:cTn id="33" presetID="42" presetClass="path" presetSubtype="0" accel="50000" decel="50000" fill="hold" nodeType="withEffect">
+                                  <p:stCondLst>
+                                    <p:cond delay="0"/>
+                                  </p:stCondLst>
+                                  <p:childTnLst>
+                                    <p:animMotion origin="layout" path="M 1.25E-6 -4.07407E-6 L 0.06081 0.3301 " pathEditMode="relative" rAng="0" ptsTypes="AA">
+                                      <p:cBhvr>
+                                        <p:cTn id="34" dur="2000" fill="hold"/>
+                                        <p:tgtEl>
+                                          <p:spTgt spid="21"/>
+                                        </p:tgtEl>
+                                        <p:attrNameLst>
+                                          <p:attrName>ppt_x</p:attrName>
+                                          <p:attrName>ppt_y</p:attrName>
+                                        </p:attrNameLst>
+                                      </p:cBhvr>
+                                      <p:rCtr x="3034" y="16505"/>
+                                    </p:animMotion>
+                                  </p:childTnLst>
+                                </p:cTn>
+                              </p:par>
+                            </p:childTnLst>
+                          </p:cTn>
+                        </p:par>
+                      </p:childTnLst>
+                    </p:cTn>
+                  </p:par>
+                </p:childTnLst>
+              </p:cTn>
+              <p:prevCondLst>
+                <p:cond evt="onPrev" delay="0">
+                  <p:tgtEl>
+                    <p:sldTgt/>
+                  </p:tgtEl>
+                </p:cond>
+              </p:prevCondLst>
+              <p:nextCondLst>
+                <p:cond evt="onNext" delay="0">
+                  <p:tgtEl>
+                    <p:sldTgt/>
+                  </p:tgtEl>
+                </p:cond>
+              </p:nextCondLst>
+            </p:seq>
+          </p:childTnLst>
+        </p:cTn>
+      </p:par>
+    </p:tnLst>
+  </p:timing>
+</p:sld>
+</file>
+
+<file path=ppt/slides/slide12.xml><?xml version="1.0" encoding="utf-8"?>
+<p:sld xmlns:a="http://schemas.openxmlformats.org/drawingml/2006/main" xmlns:r="http://schemas.openxmlformats.org/officeDocument/2006/relationships" xmlns:p="http://schemas.openxmlformats.org/presentationml/2006/main">
+  <p:cSld>
+    <p:spTree>
+      <p:nvGrpSpPr>
+        <p:cNvPr id="1" name=""/>
+        <p:cNvGrpSpPr/>
+        <p:nvPr/>
+      </p:nvGrpSpPr>
+      <p:grpSpPr>
+        <a:xfrm>
+          <a:off x="0" y="0"/>
+          <a:ext cx="0" cy="0"/>
+          <a:chOff x="0" y="0"/>
+          <a:chExt cx="0" cy="0"/>
+        </a:xfrm>
+      </p:grpSpPr>
+      <p:pic>
+        <p:nvPicPr>
+          <p:cNvPr id="68" name="Image 67">
+            <a:extLst>
+              <a:ext uri="{FF2B5EF4-FFF2-40B4-BE49-F238E27FC236}">
+                <a16:creationId xmlns:a16="http://schemas.microsoft.com/office/drawing/2014/main" id="{CF7C83A1-2A2C-4156-B053-79EBBB45FFC0}"/>
+              </a:ext>
+            </a:extLst>
+          </p:cNvPr>
+          <p:cNvPicPr>
+            <a:picLocks noChangeAspect="1"/>
+          </p:cNvPicPr>
+          <p:nvPr/>
+        </p:nvPicPr>
+        <p:blipFill>
+          <a:blip r:embed="rId2"/>
+          <a:stretch>
+            <a:fillRect/>
+          </a:stretch>
+        </p:blipFill>
+        <p:spPr>
+          <a:xfrm>
+            <a:off x="3038499" y="2768757"/>
+            <a:ext cx="47625" cy="1819275"/>
+          </a:xfrm>
+          <a:prstGeom prst="rect">
+            <a:avLst/>
+          </a:prstGeom>
+        </p:spPr>
+      </p:pic>
+      <p:pic>
+        <p:nvPicPr>
+          <p:cNvPr id="5" name="Image 4">
+            <a:extLst>
+              <a:ext uri="{FF2B5EF4-FFF2-40B4-BE49-F238E27FC236}">
+                <a16:creationId xmlns:a16="http://schemas.microsoft.com/office/drawing/2014/main" id="{6C55D5FF-F8B3-43CF-9B5B-10A36E25AF2F}"/>
+              </a:ext>
+            </a:extLst>
+          </p:cNvPr>
+          <p:cNvPicPr>
+            <a:picLocks noChangeAspect="1"/>
+          </p:cNvPicPr>
+          <p:nvPr/>
+        </p:nvPicPr>
+        <p:blipFill>
+          <a:blip r:embed="rId3"/>
+          <a:stretch>
+            <a:fillRect/>
+          </a:stretch>
+        </p:blipFill>
+        <p:spPr>
+          <a:xfrm>
+            <a:off x="1201510" y="1751335"/>
+            <a:ext cx="409575" cy="771525"/>
+          </a:xfrm>
+          <a:prstGeom prst="rect">
+            <a:avLst/>
+          </a:prstGeom>
+        </p:spPr>
+      </p:pic>
+      <p:pic>
+        <p:nvPicPr>
+          <p:cNvPr id="10" name="Image 9">
+            <a:extLst>
+              <a:ext uri="{FF2B5EF4-FFF2-40B4-BE49-F238E27FC236}">
+                <a16:creationId xmlns:a16="http://schemas.microsoft.com/office/drawing/2014/main" id="{804C9BED-DAB8-41BE-8585-37D389D51552}"/>
+              </a:ext>
+            </a:extLst>
+          </p:cNvPr>
+          <p:cNvPicPr>
+            <a:picLocks noChangeAspect="1"/>
+          </p:cNvPicPr>
+          <p:nvPr/>
+        </p:nvPicPr>
+        <p:blipFill>
+          <a:blip r:embed="rId4"/>
+          <a:stretch>
+            <a:fillRect/>
+          </a:stretch>
+        </p:blipFill>
+        <p:spPr>
+          <a:xfrm>
+            <a:off x="1929959" y="1670371"/>
+            <a:ext cx="1571625" cy="933450"/>
+          </a:xfrm>
+          <a:prstGeom prst="rect">
+            <a:avLst/>
+          </a:prstGeom>
+        </p:spPr>
+      </p:pic>
+      <p:pic>
+        <p:nvPicPr>
+          <p:cNvPr id="18" name="Image 17">
+            <a:extLst>
+              <a:ext uri="{FF2B5EF4-FFF2-40B4-BE49-F238E27FC236}">
+                <a16:creationId xmlns:a16="http://schemas.microsoft.com/office/drawing/2014/main" id="{9850A76A-F42C-42B9-8EBF-E17F0CFDE899}"/>
+              </a:ext>
+            </a:extLst>
+          </p:cNvPr>
+          <p:cNvPicPr>
+            <a:picLocks noChangeAspect="1"/>
+          </p:cNvPicPr>
+          <p:nvPr/>
+        </p:nvPicPr>
+        <p:blipFill>
+          <a:blip r:embed="rId5"/>
+          <a:stretch>
+            <a:fillRect/>
+          </a:stretch>
+        </p:blipFill>
+        <p:spPr>
+          <a:xfrm>
+            <a:off x="2380797" y="4258681"/>
+            <a:ext cx="1457325" cy="438150"/>
+          </a:xfrm>
+          <a:prstGeom prst="rect">
+            <a:avLst/>
+          </a:prstGeom>
+        </p:spPr>
+      </p:pic>
+      <p:pic>
+        <p:nvPicPr>
+          <p:cNvPr id="11" name="Image 10">
+            <a:extLst>
+              <a:ext uri="{FF2B5EF4-FFF2-40B4-BE49-F238E27FC236}">
+                <a16:creationId xmlns:a16="http://schemas.microsoft.com/office/drawing/2014/main" id="{038FF0CD-A372-485D-8224-DFAB1040C5F4}"/>
+              </a:ext>
+            </a:extLst>
+          </p:cNvPr>
+          <p:cNvPicPr>
+            <a:picLocks noChangeAspect="1"/>
+          </p:cNvPicPr>
+          <p:nvPr/>
+        </p:nvPicPr>
+        <p:blipFill>
+          <a:blip r:embed="rId6"/>
+          <a:stretch>
+            <a:fillRect/>
+          </a:stretch>
+        </p:blipFill>
+        <p:spPr>
+          <a:xfrm>
+            <a:off x="5478376" y="4086046"/>
+            <a:ext cx="1952625" cy="771525"/>
+          </a:xfrm>
+          <a:prstGeom prst="rect">
+            <a:avLst/>
+          </a:prstGeom>
+        </p:spPr>
+      </p:pic>
+      <p:pic>
+        <p:nvPicPr>
+          <p:cNvPr id="13" name="Image 12">
+            <a:extLst>
+              <a:ext uri="{FF2B5EF4-FFF2-40B4-BE49-F238E27FC236}">
+                <a16:creationId xmlns:a16="http://schemas.microsoft.com/office/drawing/2014/main" id="{C83F9B97-C498-4C3E-97C6-CA48319A1D5E}"/>
+              </a:ext>
+            </a:extLst>
+          </p:cNvPr>
+          <p:cNvPicPr>
+            <a:picLocks noChangeAspect="1"/>
+          </p:cNvPicPr>
+          <p:nvPr/>
+        </p:nvPicPr>
+        <p:blipFill>
+          <a:blip r:embed="rId7"/>
+          <a:stretch>
+            <a:fillRect/>
+          </a:stretch>
+        </p:blipFill>
+        <p:spPr>
+          <a:xfrm>
+            <a:off x="3954976" y="4226881"/>
+            <a:ext cx="1352550" cy="361950"/>
+          </a:xfrm>
+          <a:prstGeom prst="rect">
+            <a:avLst/>
+          </a:prstGeom>
+        </p:spPr>
+      </p:pic>
+      <p:sp>
+        <p:nvSpPr>
+          <p:cNvPr id="17" name="ZoneTexte 16">
+            <a:extLst>
+              <a:ext uri="{FF2B5EF4-FFF2-40B4-BE49-F238E27FC236}">
+                <a16:creationId xmlns:a16="http://schemas.microsoft.com/office/drawing/2014/main" id="{1B572C15-ABD5-474A-9695-36AD90BD9338}"/>
+              </a:ext>
+            </a:extLst>
+          </p:cNvPr>
+          <p:cNvSpPr txBox="1"/>
+          <p:nvPr/>
+        </p:nvSpPr>
+        <p:spPr>
+          <a:xfrm>
+            <a:off x="266701" y="285750"/>
+            <a:ext cx="9110382" cy="584775"/>
+          </a:xfrm>
+          <a:prstGeom prst="rect">
+            <a:avLst/>
+          </a:prstGeom>
+          <a:noFill/>
+        </p:spPr>
+        <p:txBody>
+          <a:bodyPr wrap="square" rtlCol="0">
+            <a:spAutoFit/>
+          </a:bodyPr>
+          <a:lstStyle/>
+          <a:p>
+            <a:r>
+              <a:rPr lang="fr-FR" sz="3200" dirty="0"/>
+              <a:t>Putting </a:t>
+            </a:r>
+            <a:r>
+              <a:rPr lang="fr-FR" sz="3200" dirty="0" err="1"/>
+              <a:t>it</a:t>
+            </a:r>
+            <a:r>
+              <a:rPr lang="fr-FR" sz="3200" dirty="0"/>
+              <a:t> all </a:t>
+            </a:r>
+            <a:r>
+              <a:rPr lang="fr-FR" sz="3200" dirty="0" err="1"/>
+              <a:t>together</a:t>
+            </a:r>
+            <a:endParaRPr lang="fr-FR" sz="3200" dirty="0"/>
+          </a:p>
+        </p:txBody>
+      </p:sp>
+      <p:pic>
+        <p:nvPicPr>
+          <p:cNvPr id="21" name="Image 20">
+            <a:extLst>
+              <a:ext uri="{FF2B5EF4-FFF2-40B4-BE49-F238E27FC236}">
+                <a16:creationId xmlns:a16="http://schemas.microsoft.com/office/drawing/2014/main" id="{42953B77-81E1-413B-B476-FAA35D55CF10}"/>
+              </a:ext>
+            </a:extLst>
+          </p:cNvPr>
+          <p:cNvPicPr>
+            <a:picLocks noChangeAspect="1"/>
+          </p:cNvPicPr>
+          <p:nvPr/>
+        </p:nvPicPr>
+        <p:blipFill>
+          <a:blip r:embed="rId8"/>
+          <a:stretch>
+            <a:fillRect/>
+          </a:stretch>
+        </p:blipFill>
+        <p:spPr>
+          <a:xfrm>
+            <a:off x="8440419" y="2522860"/>
+            <a:ext cx="2025067" cy="771454"/>
+          </a:xfrm>
+          <a:prstGeom prst="rect">
+            <a:avLst/>
+          </a:prstGeom>
+        </p:spPr>
+      </p:pic>
+      <p:pic>
+        <p:nvPicPr>
+          <p:cNvPr id="50" name="Image 49">
+            <a:extLst>
+              <a:ext uri="{FF2B5EF4-FFF2-40B4-BE49-F238E27FC236}">
+                <a16:creationId xmlns:a16="http://schemas.microsoft.com/office/drawing/2014/main" id="{29431B76-8487-4D1F-AB5A-549BA8D54666}"/>
+              </a:ext>
+            </a:extLst>
+          </p:cNvPr>
+          <p:cNvPicPr>
+            <a:picLocks noChangeAspect="1"/>
+          </p:cNvPicPr>
+          <p:nvPr/>
+        </p:nvPicPr>
+        <p:blipFill>
+          <a:blip r:embed="rId9"/>
+          <a:stretch>
+            <a:fillRect/>
+          </a:stretch>
+        </p:blipFill>
+        <p:spPr>
+          <a:xfrm>
+            <a:off x="4273293" y="2670968"/>
+            <a:ext cx="2857500" cy="504825"/>
+          </a:xfrm>
+          <a:prstGeom prst="rect">
+            <a:avLst/>
+          </a:prstGeom>
+        </p:spPr>
+      </p:pic>
+      <p:pic>
+        <p:nvPicPr>
+          <p:cNvPr id="62" name="Image 61">
+            <a:extLst>
+              <a:ext uri="{FF2B5EF4-FFF2-40B4-BE49-F238E27FC236}">
+                <a16:creationId xmlns:a16="http://schemas.microsoft.com/office/drawing/2014/main" id="{3D4A4A89-CEEF-4937-91D8-230081910AE3}"/>
+              </a:ext>
+            </a:extLst>
+          </p:cNvPr>
+          <p:cNvPicPr>
+            <a:picLocks noChangeAspect="1"/>
+          </p:cNvPicPr>
+          <p:nvPr/>
+        </p:nvPicPr>
+        <p:blipFill>
+          <a:blip r:embed="rId10"/>
+          <a:stretch>
+            <a:fillRect/>
+          </a:stretch>
+        </p:blipFill>
+        <p:spPr>
+          <a:xfrm>
+            <a:off x="2316864" y="2652332"/>
+            <a:ext cx="1484171" cy="512509"/>
+          </a:xfrm>
+          <a:prstGeom prst="rect">
+            <a:avLst/>
+          </a:prstGeom>
+        </p:spPr>
+      </p:pic>
+      <p:pic>
+        <p:nvPicPr>
+          <p:cNvPr id="72" name="Image 71">
+            <a:extLst>
+              <a:ext uri="{FF2B5EF4-FFF2-40B4-BE49-F238E27FC236}">
+                <a16:creationId xmlns:a16="http://schemas.microsoft.com/office/drawing/2014/main" id="{A03BD0E7-76ED-4059-B17F-118670371B33}"/>
+              </a:ext>
+            </a:extLst>
+          </p:cNvPr>
+          <p:cNvPicPr>
+            <a:picLocks noChangeAspect="1"/>
+          </p:cNvPicPr>
+          <p:nvPr/>
+        </p:nvPicPr>
+        <p:blipFill>
+          <a:blip r:embed="rId7"/>
+          <a:stretch>
+            <a:fillRect/>
+          </a:stretch>
+        </p:blipFill>
+        <p:spPr>
+          <a:xfrm>
+            <a:off x="7070216" y="2670968"/>
+            <a:ext cx="1352550" cy="361950"/>
+          </a:xfrm>
+          <a:prstGeom prst="rect">
+            <a:avLst/>
+          </a:prstGeom>
+        </p:spPr>
+      </p:pic>
+      <p:pic>
+        <p:nvPicPr>
+          <p:cNvPr id="78" name="Image 77">
+            <a:extLst>
+              <a:ext uri="{FF2B5EF4-FFF2-40B4-BE49-F238E27FC236}">
+                <a16:creationId xmlns:a16="http://schemas.microsoft.com/office/drawing/2014/main" id="{7F2DE3E4-8FFE-418E-B31C-FF5584A8510D}"/>
+              </a:ext>
+            </a:extLst>
+          </p:cNvPr>
+          <p:cNvPicPr>
+            <a:picLocks noChangeAspect="1"/>
+          </p:cNvPicPr>
+          <p:nvPr/>
+        </p:nvPicPr>
+        <p:blipFill>
+          <a:blip r:embed="rId11"/>
+          <a:stretch>
+            <a:fillRect/>
+          </a:stretch>
+        </p:blipFill>
+        <p:spPr>
+          <a:xfrm>
+            <a:off x="3769793" y="2851436"/>
+            <a:ext cx="542925" cy="114300"/>
+          </a:xfrm>
+          <a:prstGeom prst="rect">
+            <a:avLst/>
+          </a:prstGeom>
+        </p:spPr>
+      </p:pic>
+      <p:pic>
+        <p:nvPicPr>
+          <p:cNvPr id="19" name="Image 18">
+            <a:extLst>
+              <a:ext uri="{FF2B5EF4-FFF2-40B4-BE49-F238E27FC236}">
+                <a16:creationId xmlns:a16="http://schemas.microsoft.com/office/drawing/2014/main" id="{DAC9EB14-57E5-4FE0-B322-8D84615486F9}"/>
+              </a:ext>
+            </a:extLst>
+          </p:cNvPr>
+          <p:cNvPicPr>
+            <a:picLocks noChangeAspect="1"/>
+          </p:cNvPicPr>
+          <p:nvPr/>
+        </p:nvPicPr>
+        <p:blipFill>
+          <a:blip r:embed="rId12"/>
+          <a:stretch>
+            <a:fillRect/>
+          </a:stretch>
+        </p:blipFill>
+        <p:spPr>
+          <a:xfrm>
+            <a:off x="8477508" y="2522854"/>
+            <a:ext cx="1952625" cy="771525"/>
+          </a:xfrm>
+          <a:prstGeom prst="rect">
+            <a:avLst/>
+          </a:prstGeom>
+        </p:spPr>
+      </p:pic>
+      <p:pic>
+        <p:nvPicPr>
+          <p:cNvPr id="20" name="Image 19">
+            <a:extLst>
+              <a:ext uri="{FF2B5EF4-FFF2-40B4-BE49-F238E27FC236}">
+                <a16:creationId xmlns:a16="http://schemas.microsoft.com/office/drawing/2014/main" id="{3EC4ECB0-4E31-42DC-A77C-11B030FAE1F8}"/>
+              </a:ext>
+            </a:extLst>
+          </p:cNvPr>
+          <p:cNvPicPr>
+            <a:picLocks noChangeAspect="1"/>
+          </p:cNvPicPr>
+          <p:nvPr/>
+        </p:nvPicPr>
+        <p:blipFill>
+          <a:blip r:embed="rId13"/>
+          <a:stretch>
+            <a:fillRect/>
+          </a:stretch>
+        </p:blipFill>
+        <p:spPr>
+          <a:xfrm>
+            <a:off x="5211966" y="3204221"/>
+            <a:ext cx="1457325" cy="438150"/>
+          </a:xfrm>
+          <a:prstGeom prst="rect">
+            <a:avLst/>
+          </a:prstGeom>
+        </p:spPr>
+      </p:pic>
+      <p:pic>
+        <p:nvPicPr>
+          <p:cNvPr id="22" name="Image 21">
+            <a:extLst>
+              <a:ext uri="{FF2B5EF4-FFF2-40B4-BE49-F238E27FC236}">
+                <a16:creationId xmlns:a16="http://schemas.microsoft.com/office/drawing/2014/main" id="{C68E27BC-C5AC-46B5-B3DE-CBC319BA2FB5}"/>
+              </a:ext>
+            </a:extLst>
+          </p:cNvPr>
+          <p:cNvPicPr>
+            <a:picLocks noChangeAspect="1"/>
+          </p:cNvPicPr>
+          <p:nvPr/>
+        </p:nvPicPr>
+        <p:blipFill>
+          <a:blip r:embed="rId14"/>
+          <a:stretch>
+            <a:fillRect/>
+          </a:stretch>
+        </p:blipFill>
+        <p:spPr>
+          <a:xfrm>
+            <a:off x="6552763" y="2729261"/>
+            <a:ext cx="1228725" cy="819150"/>
+          </a:xfrm>
+          <a:prstGeom prst="rect">
+            <a:avLst/>
+          </a:prstGeom>
+        </p:spPr>
+      </p:pic>
+    </p:spTree>
+    <p:extLst>
+      <p:ext uri="{BB962C8B-B14F-4D97-AF65-F5344CB8AC3E}">
+        <p14:creationId xmlns:p14="http://schemas.microsoft.com/office/powerpoint/2010/main" val="1861338551"/>
+      </p:ext>
+    </p:extLst>
+  </p:cSld>
+  <p:clrMapOvr>
+    <a:masterClrMapping/>
+  </p:clrMapOvr>
+  <p:timing>
+    <p:tnLst>
+      <p:par>
+        <p:cTn id="1" dur="indefinite" restart="never" nodeType="tmRoot">
+          <p:childTnLst>
+            <p:seq concurrent="1" nextAc="seek">
+              <p:cTn id="2" dur="indefinite" nodeType="mainSeq">
+                <p:childTnLst>
+                  <p:par>
+                    <p:cTn id="3" fill="hold">
+                      <p:stCondLst>
+                        <p:cond delay="indefinite"/>
+                      </p:stCondLst>
+                      <p:childTnLst>
+                        <p:par>
+                          <p:cTn id="4" fill="hold">
+                            <p:stCondLst>
+                              <p:cond delay="0"/>
+                            </p:stCondLst>
+                            <p:childTnLst>
+                              <p:par>
+                                <p:cTn id="5" presetID="10" presetClass="exit" presetSubtype="0" fill="hold" nodeType="clickEffect">
+                                  <p:stCondLst>
+                                    <p:cond delay="0"/>
+                                  </p:stCondLst>
+                                  <p:childTnLst>
+                                    <p:animEffect transition="out" filter="fade">
+                                      <p:cBhvr>
+                                        <p:cTn id="6" dur="500"/>
+                                        <p:tgtEl>
+                                          <p:spTgt spid="21"/>
+                                        </p:tgtEl>
+                                      </p:cBhvr>
+                                    </p:animEffect>
+                                    <p:set>
+                                      <p:cBhvr>
+                                        <p:cTn id="7" dur="1" fill="hold">
+                                          <p:stCondLst>
+                                            <p:cond delay="499"/>
+                                          </p:stCondLst>
+                                        </p:cTn>
+                                        <p:tgtEl>
+                                          <p:spTgt spid="21"/>
+                                        </p:tgtEl>
+                                        <p:attrNameLst>
+                                          <p:attrName>style.visibility</p:attrName>
+                                        </p:attrNameLst>
+                                      </p:cBhvr>
+                                      <p:to>
+                                        <p:strVal val="hidden"/>
+                                      </p:to>
+                                    </p:set>
+                                  </p:childTnLst>
+                                </p:cTn>
+                              </p:par>
+                              <p:par>
+                                <p:cTn id="8" presetID="10" presetClass="entr" presetSubtype="0" fill="hold" nodeType="withEffect">
+                                  <p:stCondLst>
+                                    <p:cond delay="0"/>
+                                  </p:stCondLst>
+                                  <p:childTnLst>
+                                    <p:set>
+                                      <p:cBhvr>
+                                        <p:cTn id="9" dur="1" fill="hold">
+                                          <p:stCondLst>
+                                            <p:cond delay="0"/>
+                                          </p:stCondLst>
+                                        </p:cTn>
+                                        <p:tgtEl>
+                                          <p:spTgt spid="19"/>
+                                        </p:tgtEl>
+                                        <p:attrNameLst>
+                                          <p:attrName>style.visibility</p:attrName>
+                                        </p:attrNameLst>
+                                      </p:cBhvr>
+                                      <p:to>
+                                        <p:strVal val="visible"/>
+                                      </p:to>
+                                    </p:set>
+                                    <p:animEffect transition="in" filter="fade">
+                                      <p:cBhvr>
+                                        <p:cTn id="10" dur="500"/>
+                                        <p:tgtEl>
+                                          <p:spTgt spid="19"/>
+                                        </p:tgtEl>
+                                      </p:cBhvr>
+                                    </p:animEffect>
+                                  </p:childTnLst>
+                                </p:cTn>
+                              </p:par>
+                            </p:childTnLst>
+                          </p:cTn>
+                        </p:par>
+                      </p:childTnLst>
+                    </p:cTn>
+                  </p:par>
+                  <p:par>
+                    <p:cTn id="11" fill="hold">
+                      <p:stCondLst>
+                        <p:cond delay="indefinite"/>
+                      </p:stCondLst>
+                      <p:childTnLst>
+                        <p:par>
+                          <p:cTn id="12" fill="hold">
+                            <p:stCondLst>
+                              <p:cond delay="0"/>
+                            </p:stCondLst>
+                            <p:childTnLst>
+                              <p:par>
+                                <p:cTn id="13" presetID="31" presetClass="exit" presetSubtype="0" fill="hold" nodeType="clickEffect">
+                                  <p:stCondLst>
+                                    <p:cond delay="0"/>
+                                  </p:stCondLst>
+                                  <p:childTnLst>
+                                    <p:anim calcmode="lin" valueType="num">
+                                      <p:cBhvr>
+                                        <p:cTn id="14" dur="1000"/>
+                                        <p:tgtEl>
+                                          <p:spTgt spid="72"/>
+                                        </p:tgtEl>
+                                        <p:attrNameLst>
+                                          <p:attrName>ppt_w</p:attrName>
+                                        </p:attrNameLst>
+                                      </p:cBhvr>
+                                      <p:tavLst>
+                                        <p:tav tm="0">
+                                          <p:val>
+                                            <p:strVal val="ppt_w"/>
+                                          </p:val>
+                                        </p:tav>
+                                        <p:tav tm="100000">
+                                          <p:val>
+                                            <p:fltVal val="0"/>
+                                          </p:val>
+                                        </p:tav>
+                                      </p:tavLst>
+                                    </p:anim>
+                                    <p:anim calcmode="lin" valueType="num">
+                                      <p:cBhvr>
+                                        <p:cTn id="15" dur="1000"/>
+                                        <p:tgtEl>
+                                          <p:spTgt spid="72"/>
+                                        </p:tgtEl>
+                                        <p:attrNameLst>
+                                          <p:attrName>ppt_h</p:attrName>
+                                        </p:attrNameLst>
+                                      </p:cBhvr>
+                                      <p:tavLst>
+                                        <p:tav tm="0">
+                                          <p:val>
+                                            <p:strVal val="ppt_h"/>
+                                          </p:val>
+                                        </p:tav>
+                                        <p:tav tm="100000">
+                                          <p:val>
+                                            <p:fltVal val="0"/>
+                                          </p:val>
+                                        </p:tav>
+                                      </p:tavLst>
+                                    </p:anim>
+                                    <p:anim calcmode="lin" valueType="num">
+                                      <p:cBhvr>
+                                        <p:cTn id="16" dur="1000"/>
+                                        <p:tgtEl>
+                                          <p:spTgt spid="72"/>
+                                        </p:tgtEl>
+                                        <p:attrNameLst>
+                                          <p:attrName>style.rotation</p:attrName>
+                                        </p:attrNameLst>
+                                      </p:cBhvr>
+                                      <p:tavLst>
+                                        <p:tav tm="0">
+                                          <p:val>
+                                            <p:fltVal val="0"/>
+                                          </p:val>
+                                        </p:tav>
+                                        <p:tav tm="100000">
+                                          <p:val>
+                                            <p:fltVal val="90"/>
+                                          </p:val>
+                                        </p:tav>
+                                      </p:tavLst>
+                                    </p:anim>
+                                    <p:animEffect transition="out" filter="fade">
+                                      <p:cBhvr>
+                                        <p:cTn id="17" dur="1000"/>
+                                        <p:tgtEl>
+                                          <p:spTgt spid="72"/>
+                                        </p:tgtEl>
+                                      </p:cBhvr>
+                                    </p:animEffect>
+                                    <p:set>
+                                      <p:cBhvr>
+                                        <p:cTn id="18" dur="1" fill="hold">
+                                          <p:stCondLst>
+                                            <p:cond delay="999"/>
+                                          </p:stCondLst>
+                                        </p:cTn>
+                                        <p:tgtEl>
+                                          <p:spTgt spid="72"/>
+                                        </p:tgtEl>
+                                        <p:attrNameLst>
+                                          <p:attrName>style.visibility</p:attrName>
+                                        </p:attrNameLst>
+                                      </p:cBhvr>
+                                      <p:to>
+                                        <p:strVal val="hidden"/>
+                                      </p:to>
+                                    </p:set>
+                                  </p:childTnLst>
+                                </p:cTn>
+                              </p:par>
+                            </p:childTnLst>
+                          </p:cTn>
+                        </p:par>
+                      </p:childTnLst>
+                    </p:cTn>
+                  </p:par>
+                  <p:par>
+                    <p:cTn id="19" fill="hold">
+                      <p:stCondLst>
+                        <p:cond delay="indefinite"/>
+                      </p:stCondLst>
+                      <p:childTnLst>
+                        <p:par>
+                          <p:cTn id="20" fill="hold">
+                            <p:stCondLst>
+                              <p:cond delay="0"/>
+                            </p:stCondLst>
+                            <p:childTnLst>
+                              <p:par>
+                                <p:cTn id="21" presetID="10" presetClass="entr" presetSubtype="0" fill="hold" nodeType="clickEffect">
+                                  <p:stCondLst>
+                                    <p:cond delay="0"/>
+                                  </p:stCondLst>
+                                  <p:childTnLst>
+                                    <p:set>
+                                      <p:cBhvr>
+                                        <p:cTn id="22" dur="1" fill="hold">
+                                          <p:stCondLst>
+                                            <p:cond delay="0"/>
+                                          </p:stCondLst>
+                                        </p:cTn>
+                                        <p:tgtEl>
+                                          <p:spTgt spid="20"/>
+                                        </p:tgtEl>
+                                        <p:attrNameLst>
+                                          <p:attrName>style.visibility</p:attrName>
+                                        </p:attrNameLst>
+                                      </p:cBhvr>
+                                      <p:to>
+                                        <p:strVal val="visible"/>
+                                      </p:to>
+                                    </p:set>
+                                    <p:animEffect transition="in" filter="fade">
+                                      <p:cBhvr>
+                                        <p:cTn id="23" dur="500"/>
+                                        <p:tgtEl>
+                                          <p:spTgt spid="20"/>
+                                        </p:tgtEl>
+                                      </p:cBhvr>
+                                    </p:animEffect>
+                                  </p:childTnLst>
+                                </p:cTn>
+                              </p:par>
+                            </p:childTnLst>
+                          </p:cTn>
+                        </p:par>
+                        <p:par>
+                          <p:cTn id="24" fill="hold">
+                            <p:stCondLst>
+                              <p:cond delay="500"/>
+                            </p:stCondLst>
+                            <p:childTnLst>
+                              <p:par>
+                                <p:cTn id="25" presetID="10" presetClass="entr" presetSubtype="0" fill="hold" nodeType="afterEffect">
+                                  <p:stCondLst>
+                                    <p:cond delay="0"/>
+                                  </p:stCondLst>
+                                  <p:childTnLst>
+                                    <p:set>
+                                      <p:cBhvr>
+                                        <p:cTn id="26" dur="1" fill="hold">
+                                          <p:stCondLst>
+                                            <p:cond delay="0"/>
+                                          </p:stCondLst>
+                                        </p:cTn>
+                                        <p:tgtEl>
+                                          <p:spTgt spid="22"/>
+                                        </p:tgtEl>
+                                        <p:attrNameLst>
+                                          <p:attrName>style.visibility</p:attrName>
+                                        </p:attrNameLst>
+                                      </p:cBhvr>
+                                      <p:to>
+                                        <p:strVal val="visible"/>
+                                      </p:to>
+                                    </p:set>
+                                    <p:animEffect transition="in" filter="fade">
+                                      <p:cBhvr>
+                                        <p:cTn id="27" dur="500"/>
+                                        <p:tgtEl>
+                                          <p:spTgt spid="22"/>
+                                        </p:tgtEl>
+                                      </p:cBhvr>
+                                    </p:animEffect>
+                                  </p:childTnLst>
+                                </p:cTn>
+                              </p:par>
+                            </p:childTnLst>
+                          </p:cTn>
+                        </p:par>
+                      </p:childTnLst>
+                    </p:cTn>
+                  </p:par>
+                </p:childTnLst>
+              </p:cTn>
+              <p:prevCondLst>
+                <p:cond evt="onPrev" delay="0">
+                  <p:tgtEl>
+                    <p:sldTgt/>
+                  </p:tgtEl>
+                </p:cond>
+              </p:prevCondLst>
+              <p:nextCondLst>
+                <p:cond evt="onNext" delay="0">
+                  <p:tgtEl>
+                    <p:sldTgt/>
+                  </p:tgtEl>
+                </p:cond>
+              </p:nextCondLst>
+            </p:seq>
+          </p:childTnLst>
+        </p:cTn>
+      </p:par>
+    </p:tnLst>
+  </p:timing>
+</p:sld>
+</file>
+
 <file path=ppt/slides/slide2.xml><?xml version="1.0" encoding="utf-8"?>
 <p:sld xmlns:a="http://schemas.openxmlformats.org/drawingml/2006/main" xmlns:r="http://schemas.openxmlformats.org/officeDocument/2006/relationships" xmlns:p="http://schemas.openxmlformats.org/presentationml/2006/main">
   <p:cSld>
@@ -4160,6 +6610,923 @@
                                         <p:cTn id="7" dur="500"/>
                                         <p:tgtEl>
                                           <p:spTgt spid="16"/>
+                                        </p:tgtEl>
+                                      </p:cBhvr>
+                                    </p:animEffect>
+                                  </p:childTnLst>
+                                </p:cTn>
+                              </p:par>
+                            </p:childTnLst>
+                          </p:cTn>
+                        </p:par>
+                      </p:childTnLst>
+                    </p:cTn>
+                  </p:par>
+                </p:childTnLst>
+              </p:cTn>
+              <p:prevCondLst>
+                <p:cond evt="onPrev" delay="0">
+                  <p:tgtEl>
+                    <p:sldTgt/>
+                  </p:tgtEl>
+                </p:cond>
+              </p:prevCondLst>
+              <p:nextCondLst>
+                <p:cond evt="onNext" delay="0">
+                  <p:tgtEl>
+                    <p:sldTgt/>
+                  </p:tgtEl>
+                </p:cond>
+              </p:nextCondLst>
+            </p:seq>
+          </p:childTnLst>
+        </p:cTn>
+      </p:par>
+    </p:tnLst>
+  </p:timing>
+</p:sld>
+</file>
+
+<file path=ppt/slides/slide9.xml><?xml version="1.0" encoding="utf-8"?>
+<p:sld xmlns:a="http://schemas.openxmlformats.org/drawingml/2006/main" xmlns:r="http://schemas.openxmlformats.org/officeDocument/2006/relationships" xmlns:p="http://schemas.openxmlformats.org/presentationml/2006/main">
+  <p:cSld>
+    <p:spTree>
+      <p:nvGrpSpPr>
+        <p:cNvPr id="1" name=""/>
+        <p:cNvGrpSpPr/>
+        <p:nvPr/>
+      </p:nvGrpSpPr>
+      <p:grpSpPr>
+        <a:xfrm>
+          <a:off x="0" y="0"/>
+          <a:ext cx="0" cy="0"/>
+          <a:chOff x="0" y="0"/>
+          <a:chExt cx="0" cy="0"/>
+        </a:xfrm>
+      </p:grpSpPr>
+      <p:pic>
+        <p:nvPicPr>
+          <p:cNvPr id="68" name="Image 67">
+            <a:extLst>
+              <a:ext uri="{FF2B5EF4-FFF2-40B4-BE49-F238E27FC236}">
+                <a16:creationId xmlns:a16="http://schemas.microsoft.com/office/drawing/2014/main" id="{CF7C83A1-2A2C-4156-B053-79EBBB45FFC0}"/>
+              </a:ext>
+            </a:extLst>
+          </p:cNvPr>
+          <p:cNvPicPr>
+            <a:picLocks noChangeAspect="1"/>
+          </p:cNvPicPr>
+          <p:nvPr/>
+        </p:nvPicPr>
+        <p:blipFill>
+          <a:blip r:embed="rId2"/>
+          <a:stretch>
+            <a:fillRect/>
+          </a:stretch>
+        </p:blipFill>
+        <p:spPr>
+          <a:xfrm>
+            <a:off x="3038499" y="2768757"/>
+            <a:ext cx="47625" cy="1819275"/>
+          </a:xfrm>
+          <a:prstGeom prst="rect">
+            <a:avLst/>
+          </a:prstGeom>
+        </p:spPr>
+      </p:pic>
+      <p:pic>
+        <p:nvPicPr>
+          <p:cNvPr id="5" name="Image 4">
+            <a:extLst>
+              <a:ext uri="{FF2B5EF4-FFF2-40B4-BE49-F238E27FC236}">
+                <a16:creationId xmlns:a16="http://schemas.microsoft.com/office/drawing/2014/main" id="{6C55D5FF-F8B3-43CF-9B5B-10A36E25AF2F}"/>
+              </a:ext>
+            </a:extLst>
+          </p:cNvPr>
+          <p:cNvPicPr>
+            <a:picLocks noChangeAspect="1"/>
+          </p:cNvPicPr>
+          <p:nvPr/>
+        </p:nvPicPr>
+        <p:blipFill>
+          <a:blip r:embed="rId3"/>
+          <a:stretch>
+            <a:fillRect/>
+          </a:stretch>
+        </p:blipFill>
+        <p:spPr>
+          <a:xfrm>
+            <a:off x="1201510" y="1751335"/>
+            <a:ext cx="409575" cy="771525"/>
+          </a:xfrm>
+          <a:prstGeom prst="rect">
+            <a:avLst/>
+          </a:prstGeom>
+        </p:spPr>
+      </p:pic>
+      <p:pic>
+        <p:nvPicPr>
+          <p:cNvPr id="10" name="Image 9">
+            <a:extLst>
+              <a:ext uri="{FF2B5EF4-FFF2-40B4-BE49-F238E27FC236}">
+                <a16:creationId xmlns:a16="http://schemas.microsoft.com/office/drawing/2014/main" id="{804C9BED-DAB8-41BE-8585-37D389D51552}"/>
+              </a:ext>
+            </a:extLst>
+          </p:cNvPr>
+          <p:cNvPicPr>
+            <a:picLocks noChangeAspect="1"/>
+          </p:cNvPicPr>
+          <p:nvPr/>
+        </p:nvPicPr>
+        <p:blipFill>
+          <a:blip r:embed="rId4"/>
+          <a:stretch>
+            <a:fillRect/>
+          </a:stretch>
+        </p:blipFill>
+        <p:spPr>
+          <a:xfrm>
+            <a:off x="1929959" y="1670371"/>
+            <a:ext cx="1571625" cy="933450"/>
+          </a:xfrm>
+          <a:prstGeom prst="rect">
+            <a:avLst/>
+          </a:prstGeom>
+        </p:spPr>
+      </p:pic>
+      <p:pic>
+        <p:nvPicPr>
+          <p:cNvPr id="14" name="Image 13">
+            <a:extLst>
+              <a:ext uri="{FF2B5EF4-FFF2-40B4-BE49-F238E27FC236}">
+                <a16:creationId xmlns:a16="http://schemas.microsoft.com/office/drawing/2014/main" id="{591D33EF-841E-4E71-946D-56CF38F404C4}"/>
+              </a:ext>
+            </a:extLst>
+          </p:cNvPr>
+          <p:cNvPicPr>
+            <a:picLocks noChangeAspect="1"/>
+          </p:cNvPicPr>
+          <p:nvPr/>
+        </p:nvPicPr>
+        <p:blipFill>
+          <a:blip r:embed="rId5"/>
+          <a:stretch>
+            <a:fillRect/>
+          </a:stretch>
+        </p:blipFill>
+        <p:spPr>
+          <a:xfrm>
+            <a:off x="2380799" y="3240361"/>
+            <a:ext cx="1457325" cy="438150"/>
+          </a:xfrm>
+          <a:prstGeom prst="rect">
+            <a:avLst/>
+          </a:prstGeom>
+        </p:spPr>
+      </p:pic>
+      <p:pic>
+        <p:nvPicPr>
+          <p:cNvPr id="16" name="Image 15">
+            <a:extLst>
+              <a:ext uri="{FF2B5EF4-FFF2-40B4-BE49-F238E27FC236}">
+                <a16:creationId xmlns:a16="http://schemas.microsoft.com/office/drawing/2014/main" id="{022DAB75-FE40-49BC-91A3-01AB138E2CC1}"/>
+              </a:ext>
+            </a:extLst>
+          </p:cNvPr>
+          <p:cNvPicPr>
+            <a:picLocks noChangeAspect="1"/>
+          </p:cNvPicPr>
+          <p:nvPr/>
+        </p:nvPicPr>
+        <p:blipFill>
+          <a:blip r:embed="rId6"/>
+          <a:stretch>
+            <a:fillRect/>
+          </a:stretch>
+        </p:blipFill>
+        <p:spPr>
+          <a:xfrm>
+            <a:off x="2380798" y="3749521"/>
+            <a:ext cx="1457325" cy="438150"/>
+          </a:xfrm>
+          <a:prstGeom prst="rect">
+            <a:avLst/>
+          </a:prstGeom>
+        </p:spPr>
+      </p:pic>
+      <p:pic>
+        <p:nvPicPr>
+          <p:cNvPr id="18" name="Image 17">
+            <a:extLst>
+              <a:ext uri="{FF2B5EF4-FFF2-40B4-BE49-F238E27FC236}">
+                <a16:creationId xmlns:a16="http://schemas.microsoft.com/office/drawing/2014/main" id="{9850A76A-F42C-42B9-8EBF-E17F0CFDE899}"/>
+              </a:ext>
+            </a:extLst>
+          </p:cNvPr>
+          <p:cNvPicPr>
+            <a:picLocks noChangeAspect="1"/>
+          </p:cNvPicPr>
+          <p:nvPr/>
+        </p:nvPicPr>
+        <p:blipFill>
+          <a:blip r:embed="rId7"/>
+          <a:stretch>
+            <a:fillRect/>
+          </a:stretch>
+        </p:blipFill>
+        <p:spPr>
+          <a:xfrm>
+            <a:off x="2380797" y="4258681"/>
+            <a:ext cx="1457325" cy="438150"/>
+          </a:xfrm>
+          <a:prstGeom prst="rect">
+            <a:avLst/>
+          </a:prstGeom>
+        </p:spPr>
+      </p:pic>
+      <p:pic>
+        <p:nvPicPr>
+          <p:cNvPr id="11" name="Image 10">
+            <a:extLst>
+              <a:ext uri="{FF2B5EF4-FFF2-40B4-BE49-F238E27FC236}">
+                <a16:creationId xmlns:a16="http://schemas.microsoft.com/office/drawing/2014/main" id="{038FF0CD-A372-485D-8224-DFAB1040C5F4}"/>
+              </a:ext>
+            </a:extLst>
+          </p:cNvPr>
+          <p:cNvPicPr>
+            <a:picLocks noChangeAspect="1"/>
+          </p:cNvPicPr>
+          <p:nvPr/>
+        </p:nvPicPr>
+        <p:blipFill>
+          <a:blip r:embed="rId8"/>
+          <a:stretch>
+            <a:fillRect/>
+          </a:stretch>
+        </p:blipFill>
+        <p:spPr>
+          <a:xfrm>
+            <a:off x="5478376" y="4086046"/>
+            <a:ext cx="1952625" cy="771525"/>
+          </a:xfrm>
+          <a:prstGeom prst="rect">
+            <a:avLst/>
+          </a:prstGeom>
+        </p:spPr>
+      </p:pic>
+      <p:pic>
+        <p:nvPicPr>
+          <p:cNvPr id="13" name="Image 12">
+            <a:extLst>
+              <a:ext uri="{FF2B5EF4-FFF2-40B4-BE49-F238E27FC236}">
+                <a16:creationId xmlns:a16="http://schemas.microsoft.com/office/drawing/2014/main" id="{C83F9B97-C498-4C3E-97C6-CA48319A1D5E}"/>
+              </a:ext>
+            </a:extLst>
+          </p:cNvPr>
+          <p:cNvPicPr>
+            <a:picLocks noChangeAspect="1"/>
+          </p:cNvPicPr>
+          <p:nvPr/>
+        </p:nvPicPr>
+        <p:blipFill>
+          <a:blip r:embed="rId9"/>
+          <a:stretch>
+            <a:fillRect/>
+          </a:stretch>
+        </p:blipFill>
+        <p:spPr>
+          <a:xfrm>
+            <a:off x="3954976" y="4226881"/>
+            <a:ext cx="1352550" cy="361950"/>
+          </a:xfrm>
+          <a:prstGeom prst="rect">
+            <a:avLst/>
+          </a:prstGeom>
+        </p:spPr>
+      </p:pic>
+      <p:sp>
+        <p:nvSpPr>
+          <p:cNvPr id="17" name="ZoneTexte 16">
+            <a:extLst>
+              <a:ext uri="{FF2B5EF4-FFF2-40B4-BE49-F238E27FC236}">
+                <a16:creationId xmlns:a16="http://schemas.microsoft.com/office/drawing/2014/main" id="{1B572C15-ABD5-474A-9695-36AD90BD9338}"/>
+              </a:ext>
+            </a:extLst>
+          </p:cNvPr>
+          <p:cNvSpPr txBox="1"/>
+          <p:nvPr/>
+        </p:nvSpPr>
+        <p:spPr>
+          <a:xfrm>
+            <a:off x="266701" y="285750"/>
+            <a:ext cx="9110382" cy="584775"/>
+          </a:xfrm>
+          <a:prstGeom prst="rect">
+            <a:avLst/>
+          </a:prstGeom>
+          <a:noFill/>
+        </p:spPr>
+        <p:txBody>
+          <a:bodyPr wrap="square" rtlCol="0">
+            <a:spAutoFit/>
+          </a:bodyPr>
+          <a:lstStyle/>
+          <a:p>
+            <a:r>
+              <a:rPr lang="fr-FR" sz="3200" dirty="0" err="1"/>
+              <a:t>Using</a:t>
+            </a:r>
+            <a:r>
+              <a:rPr lang="fr-FR" sz="3200" dirty="0"/>
+              <a:t> </a:t>
+            </a:r>
+            <a:r>
+              <a:rPr lang="fr-FR" sz="3200" dirty="0" err="1"/>
+              <a:t>HttpClient</a:t>
+            </a:r>
+            <a:r>
+              <a:rPr lang="fr-FR" sz="3200" dirty="0"/>
+              <a:t> handlers to </a:t>
+            </a:r>
+            <a:r>
+              <a:rPr lang="fr-FR" sz="3200" dirty="0" err="1"/>
+              <a:t>authenticate</a:t>
+            </a:r>
+            <a:r>
+              <a:rPr lang="fr-FR" sz="3200" dirty="0"/>
+              <a:t> HTTP calls</a:t>
+            </a:r>
+          </a:p>
+        </p:txBody>
+      </p:sp>
+      <p:pic>
+        <p:nvPicPr>
+          <p:cNvPr id="21" name="Image 20">
+            <a:extLst>
+              <a:ext uri="{FF2B5EF4-FFF2-40B4-BE49-F238E27FC236}">
+                <a16:creationId xmlns:a16="http://schemas.microsoft.com/office/drawing/2014/main" id="{42953B77-81E1-413B-B476-FAA35D55CF10}"/>
+              </a:ext>
+            </a:extLst>
+          </p:cNvPr>
+          <p:cNvPicPr>
+            <a:picLocks noChangeAspect="1"/>
+          </p:cNvPicPr>
+          <p:nvPr/>
+        </p:nvPicPr>
+        <p:blipFill>
+          <a:blip r:embed="rId10"/>
+          <a:stretch>
+            <a:fillRect/>
+          </a:stretch>
+        </p:blipFill>
+        <p:spPr>
+          <a:xfrm>
+            <a:off x="8440419" y="2522860"/>
+            <a:ext cx="2025067" cy="771454"/>
+          </a:xfrm>
+          <a:prstGeom prst="rect">
+            <a:avLst/>
+          </a:prstGeom>
+        </p:spPr>
+      </p:pic>
+      <p:pic>
+        <p:nvPicPr>
+          <p:cNvPr id="50" name="Image 49">
+            <a:extLst>
+              <a:ext uri="{FF2B5EF4-FFF2-40B4-BE49-F238E27FC236}">
+                <a16:creationId xmlns:a16="http://schemas.microsoft.com/office/drawing/2014/main" id="{29431B76-8487-4D1F-AB5A-549BA8D54666}"/>
+              </a:ext>
+            </a:extLst>
+          </p:cNvPr>
+          <p:cNvPicPr>
+            <a:picLocks noChangeAspect="1"/>
+          </p:cNvPicPr>
+          <p:nvPr/>
+        </p:nvPicPr>
+        <p:blipFill>
+          <a:blip r:embed="rId11"/>
+          <a:stretch>
+            <a:fillRect/>
+          </a:stretch>
+        </p:blipFill>
+        <p:spPr>
+          <a:xfrm>
+            <a:off x="4273293" y="2670968"/>
+            <a:ext cx="2857500" cy="504825"/>
+          </a:xfrm>
+          <a:prstGeom prst="rect">
+            <a:avLst/>
+          </a:prstGeom>
+        </p:spPr>
+      </p:pic>
+      <p:pic>
+        <p:nvPicPr>
+          <p:cNvPr id="62" name="Image 61">
+            <a:extLst>
+              <a:ext uri="{FF2B5EF4-FFF2-40B4-BE49-F238E27FC236}">
+                <a16:creationId xmlns:a16="http://schemas.microsoft.com/office/drawing/2014/main" id="{3D4A4A89-CEEF-4937-91D8-230081910AE3}"/>
+              </a:ext>
+            </a:extLst>
+          </p:cNvPr>
+          <p:cNvPicPr>
+            <a:picLocks noChangeAspect="1"/>
+          </p:cNvPicPr>
+          <p:nvPr/>
+        </p:nvPicPr>
+        <p:blipFill>
+          <a:blip r:embed="rId12"/>
+          <a:stretch>
+            <a:fillRect/>
+          </a:stretch>
+        </p:blipFill>
+        <p:spPr>
+          <a:xfrm>
+            <a:off x="2316864" y="2652332"/>
+            <a:ext cx="1484171" cy="512509"/>
+          </a:xfrm>
+          <a:prstGeom prst="rect">
+            <a:avLst/>
+          </a:prstGeom>
+        </p:spPr>
+      </p:pic>
+      <p:pic>
+        <p:nvPicPr>
+          <p:cNvPr id="71" name="Image 70">
+            <a:extLst>
+              <a:ext uri="{FF2B5EF4-FFF2-40B4-BE49-F238E27FC236}">
+                <a16:creationId xmlns:a16="http://schemas.microsoft.com/office/drawing/2014/main" id="{701040CD-C084-4DB3-B197-C676455B54AA}"/>
+              </a:ext>
+            </a:extLst>
+          </p:cNvPr>
+          <p:cNvPicPr>
+            <a:picLocks noChangeAspect="1"/>
+          </p:cNvPicPr>
+          <p:nvPr/>
+        </p:nvPicPr>
+        <p:blipFill>
+          <a:blip r:embed="rId13"/>
+          <a:stretch>
+            <a:fillRect/>
+          </a:stretch>
+        </p:blipFill>
+        <p:spPr>
+          <a:xfrm>
+            <a:off x="2318802" y="2660075"/>
+            <a:ext cx="1457325" cy="438150"/>
+          </a:xfrm>
+          <a:prstGeom prst="rect">
+            <a:avLst/>
+          </a:prstGeom>
+        </p:spPr>
+      </p:pic>
+      <p:pic>
+        <p:nvPicPr>
+          <p:cNvPr id="72" name="Image 71">
+            <a:extLst>
+              <a:ext uri="{FF2B5EF4-FFF2-40B4-BE49-F238E27FC236}">
+                <a16:creationId xmlns:a16="http://schemas.microsoft.com/office/drawing/2014/main" id="{A03BD0E7-76ED-4059-B17F-118670371B33}"/>
+              </a:ext>
+            </a:extLst>
+          </p:cNvPr>
+          <p:cNvPicPr>
+            <a:picLocks noChangeAspect="1"/>
+          </p:cNvPicPr>
+          <p:nvPr/>
+        </p:nvPicPr>
+        <p:blipFill>
+          <a:blip r:embed="rId9"/>
+          <a:stretch>
+            <a:fillRect/>
+          </a:stretch>
+        </p:blipFill>
+        <p:spPr>
+          <a:xfrm>
+            <a:off x="7070216" y="2670968"/>
+            <a:ext cx="1352550" cy="361950"/>
+          </a:xfrm>
+          <a:prstGeom prst="rect">
+            <a:avLst/>
+          </a:prstGeom>
+        </p:spPr>
+      </p:pic>
+      <p:pic>
+        <p:nvPicPr>
+          <p:cNvPr id="78" name="Image 77">
+            <a:extLst>
+              <a:ext uri="{FF2B5EF4-FFF2-40B4-BE49-F238E27FC236}">
+                <a16:creationId xmlns:a16="http://schemas.microsoft.com/office/drawing/2014/main" id="{7F2DE3E4-8FFE-418E-B31C-FF5584A8510D}"/>
+              </a:ext>
+            </a:extLst>
+          </p:cNvPr>
+          <p:cNvPicPr>
+            <a:picLocks noChangeAspect="1"/>
+          </p:cNvPicPr>
+          <p:nvPr/>
+        </p:nvPicPr>
+        <p:blipFill>
+          <a:blip r:embed="rId14"/>
+          <a:stretch>
+            <a:fillRect/>
+          </a:stretch>
+        </p:blipFill>
+        <p:spPr>
+          <a:xfrm>
+            <a:off x="3769793" y="2851436"/>
+            <a:ext cx="542925" cy="114300"/>
+          </a:xfrm>
+          <a:prstGeom prst="rect">
+            <a:avLst/>
+          </a:prstGeom>
+        </p:spPr>
+      </p:pic>
+    </p:spTree>
+    <p:extLst>
+      <p:ext uri="{BB962C8B-B14F-4D97-AF65-F5344CB8AC3E}">
+        <p14:creationId xmlns:p14="http://schemas.microsoft.com/office/powerpoint/2010/main" val="3490970653"/>
+      </p:ext>
+    </p:extLst>
+  </p:cSld>
+  <p:clrMapOvr>
+    <a:masterClrMapping/>
+  </p:clrMapOvr>
+  <p:timing>
+    <p:tnLst>
+      <p:par>
+        <p:cTn id="1" dur="indefinite" restart="never" nodeType="tmRoot">
+          <p:childTnLst>
+            <p:seq concurrent="1" nextAc="seek">
+              <p:cTn id="2" dur="indefinite" nodeType="mainSeq">
+                <p:childTnLst>
+                  <p:par>
+                    <p:cTn id="3" fill="hold">
+                      <p:stCondLst>
+                        <p:cond delay="indefinite"/>
+                      </p:stCondLst>
+                      <p:childTnLst>
+                        <p:par>
+                          <p:cTn id="4" fill="hold">
+                            <p:stCondLst>
+                              <p:cond delay="0"/>
+                            </p:stCondLst>
+                            <p:childTnLst>
+                              <p:par>
+                                <p:cTn id="5" presetID="1" presetClass="entr" presetSubtype="0" fill="hold" nodeType="clickEffect">
+                                  <p:stCondLst>
+                                    <p:cond delay="0"/>
+                                  </p:stCondLst>
+                                  <p:childTnLst>
+                                    <p:set>
+                                      <p:cBhvr>
+                                        <p:cTn id="6" dur="1" fill="hold">
+                                          <p:stCondLst>
+                                            <p:cond delay="0"/>
+                                          </p:stCondLst>
+                                        </p:cTn>
+                                        <p:tgtEl>
+                                          <p:spTgt spid="21"/>
+                                        </p:tgtEl>
+                                        <p:attrNameLst>
+                                          <p:attrName>style.visibility</p:attrName>
+                                        </p:attrNameLst>
+                                      </p:cBhvr>
+                                      <p:to>
+                                        <p:strVal val="visible"/>
+                                      </p:to>
+                                    </p:set>
+                                  </p:childTnLst>
+                                </p:cTn>
+                              </p:par>
+                            </p:childTnLst>
+                          </p:cTn>
+                        </p:par>
+                      </p:childTnLst>
+                    </p:cTn>
+                  </p:par>
+                  <p:par>
+                    <p:cTn id="7" fill="hold">
+                      <p:stCondLst>
+                        <p:cond delay="indefinite"/>
+                      </p:stCondLst>
+                      <p:childTnLst>
+                        <p:par>
+                          <p:cTn id="8" fill="hold">
+                            <p:stCondLst>
+                              <p:cond delay="0"/>
+                            </p:stCondLst>
+                            <p:childTnLst>
+                              <p:par>
+                                <p:cTn id="9" presetID="1" presetClass="entr" presetSubtype="0" fill="hold" nodeType="clickEffect">
+                                  <p:stCondLst>
+                                    <p:cond delay="0"/>
+                                  </p:stCondLst>
+                                  <p:childTnLst>
+                                    <p:set>
+                                      <p:cBhvr>
+                                        <p:cTn id="10" dur="1" fill="hold">
+                                          <p:stCondLst>
+                                            <p:cond delay="0"/>
+                                          </p:stCondLst>
+                                        </p:cTn>
+                                        <p:tgtEl>
+                                          <p:spTgt spid="50"/>
+                                        </p:tgtEl>
+                                        <p:attrNameLst>
+                                          <p:attrName>style.visibility</p:attrName>
+                                        </p:attrNameLst>
+                                      </p:cBhvr>
+                                      <p:to>
+                                        <p:strVal val="visible"/>
+                                      </p:to>
+                                    </p:set>
+                                  </p:childTnLst>
+                                </p:cTn>
+                              </p:par>
+                              <p:par>
+                                <p:cTn id="11" presetID="10" presetClass="entr" presetSubtype="0" fill="hold" nodeType="withEffect">
+                                  <p:stCondLst>
+                                    <p:cond delay="0"/>
+                                  </p:stCondLst>
+                                  <p:childTnLst>
+                                    <p:set>
+                                      <p:cBhvr>
+                                        <p:cTn id="12" dur="1" fill="hold">
+                                          <p:stCondLst>
+                                            <p:cond delay="0"/>
+                                          </p:stCondLst>
+                                        </p:cTn>
+                                        <p:tgtEl>
+                                          <p:spTgt spid="72"/>
+                                        </p:tgtEl>
+                                        <p:attrNameLst>
+                                          <p:attrName>style.visibility</p:attrName>
+                                        </p:attrNameLst>
+                                      </p:cBhvr>
+                                      <p:to>
+                                        <p:strVal val="visible"/>
+                                      </p:to>
+                                    </p:set>
+                                    <p:animEffect transition="in" filter="fade">
+                                      <p:cBhvr>
+                                        <p:cTn id="13" dur="1000"/>
+                                        <p:tgtEl>
+                                          <p:spTgt spid="72"/>
+                                        </p:tgtEl>
+                                      </p:cBhvr>
+                                    </p:animEffect>
+                                  </p:childTnLst>
+                                </p:cTn>
+                              </p:par>
+                            </p:childTnLst>
+                          </p:cTn>
+                        </p:par>
+                        <p:par>
+                          <p:cTn id="14" fill="hold">
+                            <p:stCondLst>
+                              <p:cond delay="1000"/>
+                            </p:stCondLst>
+                            <p:childTnLst>
+                              <p:par>
+                                <p:cTn id="15" presetID="10" presetClass="entr" presetSubtype="0" fill="hold" nodeType="afterEffect">
+                                  <p:stCondLst>
+                                    <p:cond delay="0"/>
+                                  </p:stCondLst>
+                                  <p:childTnLst>
+                                    <p:set>
+                                      <p:cBhvr>
+                                        <p:cTn id="16" dur="1" fill="hold">
+                                          <p:stCondLst>
+                                            <p:cond delay="0"/>
+                                          </p:stCondLst>
+                                        </p:cTn>
+                                        <p:tgtEl>
+                                          <p:spTgt spid="78"/>
+                                        </p:tgtEl>
+                                        <p:attrNameLst>
+                                          <p:attrName>style.visibility</p:attrName>
+                                        </p:attrNameLst>
+                                      </p:cBhvr>
+                                      <p:to>
+                                        <p:strVal val="visible"/>
+                                      </p:to>
+                                    </p:set>
+                                    <p:animEffect transition="in" filter="fade">
+                                      <p:cBhvr>
+                                        <p:cTn id="17" dur="2000"/>
+                                        <p:tgtEl>
+                                          <p:spTgt spid="78"/>
+                                        </p:tgtEl>
+                                      </p:cBhvr>
+                                    </p:animEffect>
+                                  </p:childTnLst>
+                                </p:cTn>
+                              </p:par>
+                            </p:childTnLst>
+                          </p:cTn>
+                        </p:par>
+                      </p:childTnLst>
+                    </p:cTn>
+                  </p:par>
+                  <p:par>
+                    <p:cTn id="18" fill="hold">
+                      <p:stCondLst>
+                        <p:cond delay="indefinite"/>
+                      </p:stCondLst>
+                      <p:childTnLst>
+                        <p:par>
+                          <p:cTn id="19" fill="hold">
+                            <p:stCondLst>
+                              <p:cond delay="0"/>
+                            </p:stCondLst>
+                            <p:childTnLst>
+                              <p:par>
+                                <p:cTn id="20" presetID="1" presetClass="entr" presetSubtype="0" fill="hold" nodeType="clickEffect">
+                                  <p:stCondLst>
+                                    <p:cond delay="0"/>
+                                  </p:stCondLst>
+                                  <p:childTnLst>
+                                    <p:set>
+                                      <p:cBhvr>
+                                        <p:cTn id="21" dur="1" fill="hold">
+                                          <p:stCondLst>
+                                            <p:cond delay="0"/>
+                                          </p:stCondLst>
+                                        </p:cTn>
+                                        <p:tgtEl>
+                                          <p:spTgt spid="62"/>
+                                        </p:tgtEl>
+                                        <p:attrNameLst>
+                                          <p:attrName>style.visibility</p:attrName>
+                                        </p:attrNameLst>
+                                      </p:cBhvr>
+                                      <p:to>
+                                        <p:strVal val="visible"/>
+                                      </p:to>
+                                    </p:set>
+                                  </p:childTnLst>
+                                </p:cTn>
+                              </p:par>
+                              <p:par>
+                                <p:cTn id="22" presetID="1" presetClass="exit" presetSubtype="0" fill="hold" nodeType="withEffect">
+                                  <p:stCondLst>
+                                    <p:cond delay="0"/>
+                                  </p:stCondLst>
+                                  <p:childTnLst>
+                                    <p:set>
+                                      <p:cBhvr>
+                                        <p:cTn id="23" dur="1" fill="hold">
+                                          <p:stCondLst>
+                                            <p:cond delay="0"/>
+                                          </p:stCondLst>
+                                        </p:cTn>
+                                        <p:tgtEl>
+                                          <p:spTgt spid="71"/>
+                                        </p:tgtEl>
+                                        <p:attrNameLst>
+                                          <p:attrName>style.visibility</p:attrName>
+                                        </p:attrNameLst>
+                                      </p:cBhvr>
+                                      <p:to>
+                                        <p:strVal val="hidden"/>
+                                      </p:to>
+                                    </p:set>
+                                  </p:childTnLst>
+                                </p:cTn>
+                              </p:par>
+                            </p:childTnLst>
+                          </p:cTn>
+                        </p:par>
+                      </p:childTnLst>
+                    </p:cTn>
+                  </p:par>
+                  <p:par>
+                    <p:cTn id="24" fill="hold">
+                      <p:stCondLst>
+                        <p:cond delay="indefinite"/>
+                      </p:stCondLst>
+                      <p:childTnLst>
+                        <p:par>
+                          <p:cTn id="25" fill="hold">
+                            <p:stCondLst>
+                              <p:cond delay="0"/>
+                            </p:stCondLst>
+                            <p:childTnLst>
+                              <p:par>
+                                <p:cTn id="26" presetID="10" presetClass="exit" presetSubtype="0" fill="hold" nodeType="clickEffect">
+                                  <p:stCondLst>
+                                    <p:cond delay="0"/>
+                                  </p:stCondLst>
+                                  <p:childTnLst>
+                                    <p:animEffect transition="out" filter="fade">
+                                      <p:cBhvr>
+                                        <p:cTn id="27" dur="500"/>
+                                        <p:tgtEl>
+                                          <p:spTgt spid="14"/>
+                                        </p:tgtEl>
+                                      </p:cBhvr>
+                                    </p:animEffect>
+                                    <p:set>
+                                      <p:cBhvr>
+                                        <p:cTn id="28" dur="1" fill="hold">
+                                          <p:stCondLst>
+                                            <p:cond delay="499"/>
+                                          </p:stCondLst>
+                                        </p:cTn>
+                                        <p:tgtEl>
+                                          <p:spTgt spid="14"/>
+                                        </p:tgtEl>
+                                        <p:attrNameLst>
+                                          <p:attrName>style.visibility</p:attrName>
+                                        </p:attrNameLst>
+                                      </p:cBhvr>
+                                      <p:to>
+                                        <p:strVal val="hidden"/>
+                                      </p:to>
+                                    </p:set>
+                                  </p:childTnLst>
+                                </p:cTn>
+                              </p:par>
+                            </p:childTnLst>
+                          </p:cTn>
+                        </p:par>
+                        <p:par>
+                          <p:cTn id="29" fill="hold">
+                            <p:stCondLst>
+                              <p:cond delay="500"/>
+                            </p:stCondLst>
+                            <p:childTnLst>
+                              <p:par>
+                                <p:cTn id="30" presetID="10" presetClass="exit" presetSubtype="0" fill="hold" nodeType="afterEffect">
+                                  <p:stCondLst>
+                                    <p:cond delay="0"/>
+                                  </p:stCondLst>
+                                  <p:childTnLst>
+                                    <p:animEffect transition="out" filter="fade">
+                                      <p:cBhvr>
+                                        <p:cTn id="31" dur="500"/>
+                                        <p:tgtEl>
+                                          <p:spTgt spid="16"/>
+                                        </p:tgtEl>
+                                      </p:cBhvr>
+                                    </p:animEffect>
+                                    <p:set>
+                                      <p:cBhvr>
+                                        <p:cTn id="32" dur="1" fill="hold">
+                                          <p:stCondLst>
+                                            <p:cond delay="499"/>
+                                          </p:stCondLst>
+                                        </p:cTn>
+                                        <p:tgtEl>
+                                          <p:spTgt spid="16"/>
+                                        </p:tgtEl>
+                                        <p:attrNameLst>
+                                          <p:attrName>style.visibility</p:attrName>
+                                        </p:attrNameLst>
+                                      </p:cBhvr>
+                                      <p:to>
+                                        <p:strVal val="hidden"/>
+                                      </p:to>
+                                    </p:set>
+                                  </p:childTnLst>
+                                </p:cTn>
+                              </p:par>
+                            </p:childTnLst>
+                          </p:cTn>
+                        </p:par>
+                        <p:par>
+                          <p:cTn id="33" fill="hold">
+                            <p:stCondLst>
+                              <p:cond delay="1000"/>
+                            </p:stCondLst>
+                            <p:childTnLst>
+                              <p:par>
+                                <p:cTn id="34" presetID="10" presetClass="entr" presetSubtype="0" fill="hold" nodeType="afterEffect">
+                                  <p:stCondLst>
+                                    <p:cond delay="0"/>
+                                  </p:stCondLst>
+                                  <p:childTnLst>
+                                    <p:set>
+                                      <p:cBhvr>
+                                        <p:cTn id="35" dur="1" fill="hold">
+                                          <p:stCondLst>
+                                            <p:cond delay="0"/>
+                                          </p:stCondLst>
+                                        </p:cTn>
+                                        <p:tgtEl>
+                                          <p:spTgt spid="68"/>
+                                        </p:tgtEl>
+                                        <p:attrNameLst>
+                                          <p:attrName>style.visibility</p:attrName>
+                                        </p:attrNameLst>
+                                      </p:cBhvr>
+                                      <p:to>
+                                        <p:strVal val="visible"/>
+                                      </p:to>
+                                    </p:set>
+                                    <p:animEffect transition="in" filter="fade">
+                                      <p:cBhvr>
+                                        <p:cTn id="36" dur="500"/>
+                                        <p:tgtEl>
+                                          <p:spTgt spid="68"/>
                                         </p:tgtEl>
                                       </p:cBhvr>
                                     </p:animEffect>
